--- a/sycode/国庆后的修改图片/国庆之后的修改结构.pptx
+++ b/sycode/国庆后的修改图片/国庆之后的修改结构.pptx
@@ -10,6 +10,8 @@
     <p:sldId id="258" r:id="rId4"/>
     <p:sldId id="259" r:id="rId5"/>
     <p:sldId id="260" r:id="rId6"/>
+    <p:sldId id="261" r:id="rId7"/>
+    <p:sldId id="262" r:id="rId8"/>
   </p:sldIdLst>
   <p:sldSz cx="12192000" cy="6858000"/>
   <p:notesSz cx="6858000" cy="9144000"/>
@@ -263,7 +265,7 @@
           <a:p>
             <a:fld id="{AD9DA926-A515-480C-B9CE-FA598AD02AD9}" type="datetimeFigureOut">
               <a:rPr lang="zh-CN" altLang="en-US" smtClean="0"/>
-              <a:t>2023/10/8</a:t>
+              <a:t>2023/10/10</a:t>
             </a:fld>
             <a:endParaRPr lang="zh-CN" altLang="en-US"/>
           </a:p>
@@ -461,7 +463,7 @@
           <a:p>
             <a:fld id="{AD9DA926-A515-480C-B9CE-FA598AD02AD9}" type="datetimeFigureOut">
               <a:rPr lang="zh-CN" altLang="en-US" smtClean="0"/>
-              <a:t>2023/10/8</a:t>
+              <a:t>2023/10/10</a:t>
             </a:fld>
             <a:endParaRPr lang="zh-CN" altLang="en-US"/>
           </a:p>
@@ -669,7 +671,7 @@
           <a:p>
             <a:fld id="{AD9DA926-A515-480C-B9CE-FA598AD02AD9}" type="datetimeFigureOut">
               <a:rPr lang="zh-CN" altLang="en-US" smtClean="0"/>
-              <a:t>2023/10/8</a:t>
+              <a:t>2023/10/10</a:t>
             </a:fld>
             <a:endParaRPr lang="zh-CN" altLang="en-US"/>
           </a:p>
@@ -867,7 +869,7 @@
           <a:p>
             <a:fld id="{AD9DA926-A515-480C-B9CE-FA598AD02AD9}" type="datetimeFigureOut">
               <a:rPr lang="zh-CN" altLang="en-US" smtClean="0"/>
-              <a:t>2023/10/8</a:t>
+              <a:t>2023/10/10</a:t>
             </a:fld>
             <a:endParaRPr lang="zh-CN" altLang="en-US"/>
           </a:p>
@@ -1142,7 +1144,7 @@
           <a:p>
             <a:fld id="{AD9DA926-A515-480C-B9CE-FA598AD02AD9}" type="datetimeFigureOut">
               <a:rPr lang="zh-CN" altLang="en-US" smtClean="0"/>
-              <a:t>2023/10/8</a:t>
+              <a:t>2023/10/10</a:t>
             </a:fld>
             <a:endParaRPr lang="zh-CN" altLang="en-US"/>
           </a:p>
@@ -1407,7 +1409,7 @@
           <a:p>
             <a:fld id="{AD9DA926-A515-480C-B9CE-FA598AD02AD9}" type="datetimeFigureOut">
               <a:rPr lang="zh-CN" altLang="en-US" smtClean="0"/>
-              <a:t>2023/10/8</a:t>
+              <a:t>2023/10/10</a:t>
             </a:fld>
             <a:endParaRPr lang="zh-CN" altLang="en-US"/>
           </a:p>
@@ -1819,7 +1821,7 @@
           <a:p>
             <a:fld id="{AD9DA926-A515-480C-B9CE-FA598AD02AD9}" type="datetimeFigureOut">
               <a:rPr lang="zh-CN" altLang="en-US" smtClean="0"/>
-              <a:t>2023/10/8</a:t>
+              <a:t>2023/10/10</a:t>
             </a:fld>
             <a:endParaRPr lang="zh-CN" altLang="en-US"/>
           </a:p>
@@ -1960,7 +1962,7 @@
           <a:p>
             <a:fld id="{AD9DA926-A515-480C-B9CE-FA598AD02AD9}" type="datetimeFigureOut">
               <a:rPr lang="zh-CN" altLang="en-US" smtClean="0"/>
-              <a:t>2023/10/8</a:t>
+              <a:t>2023/10/10</a:t>
             </a:fld>
             <a:endParaRPr lang="zh-CN" altLang="en-US"/>
           </a:p>
@@ -2073,7 +2075,7 @@
           <a:p>
             <a:fld id="{AD9DA926-A515-480C-B9CE-FA598AD02AD9}" type="datetimeFigureOut">
               <a:rPr lang="zh-CN" altLang="en-US" smtClean="0"/>
-              <a:t>2023/10/8</a:t>
+              <a:t>2023/10/10</a:t>
             </a:fld>
             <a:endParaRPr lang="zh-CN" altLang="en-US"/>
           </a:p>
@@ -2384,7 +2386,7 @@
           <a:p>
             <a:fld id="{AD9DA926-A515-480C-B9CE-FA598AD02AD9}" type="datetimeFigureOut">
               <a:rPr lang="zh-CN" altLang="en-US" smtClean="0"/>
-              <a:t>2023/10/8</a:t>
+              <a:t>2023/10/10</a:t>
             </a:fld>
             <a:endParaRPr lang="zh-CN" altLang="en-US"/>
           </a:p>
@@ -2672,7 +2674,7 @@
           <a:p>
             <a:fld id="{AD9DA926-A515-480C-B9CE-FA598AD02AD9}" type="datetimeFigureOut">
               <a:rPr lang="zh-CN" altLang="en-US" smtClean="0"/>
-              <a:t>2023/10/8</a:t>
+              <a:t>2023/10/10</a:t>
             </a:fld>
             <a:endParaRPr lang="zh-CN" altLang="en-US"/>
           </a:p>
@@ -2913,7 +2915,7 @@
           <a:p>
             <a:fld id="{AD9DA926-A515-480C-B9CE-FA598AD02AD9}" type="datetimeFigureOut">
               <a:rPr lang="zh-CN" altLang="en-US" smtClean="0"/>
-              <a:t>2023/10/8</a:t>
+              <a:t>2023/10/10</a:t>
             </a:fld>
             <a:endParaRPr lang="zh-CN" altLang="en-US"/>
           </a:p>
@@ -4299,7 +4301,7 @@
         <p:spPr>
           <a:xfrm>
             <a:off x="132272" y="109600"/>
-            <a:ext cx="10633494" cy="2031325"/>
+            <a:ext cx="10633494" cy="1754326"/>
           </a:xfrm>
           <a:prstGeom prst="rect">
             <a:avLst/>
@@ -4351,9 +4353,9 @@
                 <a:latin typeface="宋体" panose="02010600030101010101" pitchFamily="2" charset="-122"/>
                 <a:ea typeface="宋体" panose="02010600030101010101" pitchFamily="2" charset="-122"/>
               </a:rPr>
-              <a:t>最大噪声水平：</a:t>
-            </a:r>
-            <a:r>
+              <a:t>最大噪声水平</a:t>
+            </a:r>
+            <a:br>
               <a:rPr lang="en-US" altLang="zh-CN" sz="1800" i="1" dirty="0">
                 <a:solidFill>
                   <a:srgbClr val="8C8C8C"/>
@@ -4361,7 +4363,36 @@
                 <a:effectLst/>
                 <a:latin typeface="JetBrains Mono"/>
               </a:rPr>
-              <a:t>times=19*0.05</a:t>
+            </a:br>
+            <a:r>
+              <a:rPr lang="en-US" altLang="zh-CN" sz="1800" dirty="0">
+                <a:solidFill>
+                  <a:srgbClr val="080808"/>
+                </a:solidFill>
+                <a:effectLst/>
+                <a:latin typeface="JetBrains Mono"/>
+              </a:rPr>
+              <a:t>s = </a:t>
+            </a:r>
+            <a:r>
+              <a:rPr lang="en-US" altLang="zh-CN" sz="1800" dirty="0">
+                <a:solidFill>
+                  <a:srgbClr val="1750EB"/>
+                </a:solidFill>
+                <a:effectLst/>
+                <a:latin typeface="JetBrains Mono"/>
+              </a:rPr>
+              <a:t>50   </a:t>
+            </a:r>
+            <a:r>
+              <a:rPr lang="en-US" altLang="zh-CN" sz="1800" i="1" dirty="0">
+                <a:solidFill>
+                  <a:srgbClr val="8C8C8C"/>
+                </a:solidFill>
+                <a:effectLst/>
+                <a:latin typeface="JetBrains Mono"/>
+              </a:rPr>
+              <a:t># </a:t>
             </a:r>
             <a:r>
               <a:rPr lang="zh-CN" altLang="en-US" sz="1800" i="1" dirty="0">
@@ -4372,128 +4403,9 @@
                 <a:latin typeface="宋体" panose="02010600030101010101" pitchFamily="2" charset="-122"/>
                 <a:ea typeface="宋体" panose="02010600030101010101" pitchFamily="2" charset="-122"/>
               </a:rPr>
-              <a:t>，</a:t>
-            </a:r>
-            <a:r>
-              <a:rPr lang="en-US" altLang="zh-CN" sz="1800" i="1" dirty="0" err="1">
-                <a:solidFill>
-                  <a:srgbClr val="8C8C8C"/>
-                </a:solidFill>
-                <a:effectLst/>
-                <a:latin typeface="JetBrains Mono"/>
-              </a:rPr>
-              <a:t>noise_Y</a:t>
-            </a:r>
-            <a:r>
-              <a:rPr lang="en-US" altLang="zh-CN" sz="1800" i="1" dirty="0">
-                <a:solidFill>
-                  <a:srgbClr val="8C8C8C"/>
-                </a:solidFill>
-                <a:effectLst/>
-                <a:latin typeface="JetBrains Mono"/>
-              </a:rPr>
-              <a:t> = times * </a:t>
-            </a:r>
-            <a:r>
-              <a:rPr lang="en-US" altLang="zh-CN" sz="1800" i="1" dirty="0" err="1">
-                <a:solidFill>
-                  <a:srgbClr val="8C8C8C"/>
-                </a:solidFill>
-                <a:effectLst/>
-                <a:latin typeface="JetBrains Mono"/>
-              </a:rPr>
-              <a:t>standard_Y</a:t>
-            </a:r>
-            <a:r>
-              <a:rPr lang="en-US" altLang="zh-CN" sz="1800" i="1" dirty="0">
-                <a:solidFill>
-                  <a:srgbClr val="8C8C8C"/>
-                </a:solidFill>
-                <a:effectLst/>
-                <a:latin typeface="JetBrains Mono"/>
-              </a:rPr>
-              <a:t> * </a:t>
-            </a:r>
-            <a:r>
-              <a:rPr lang="en-US" altLang="zh-CN" sz="1800" i="1" dirty="0" err="1">
-                <a:solidFill>
-                  <a:srgbClr val="8C8C8C"/>
-                </a:solidFill>
-                <a:effectLst/>
-                <a:latin typeface="JetBrains Mono"/>
-              </a:rPr>
-              <a:t>np.random.randn</a:t>
-            </a:r>
-            <a:r>
-              <a:rPr lang="en-US" altLang="zh-CN" sz="1800" i="1" dirty="0">
-                <a:solidFill>
-                  <a:srgbClr val="8C8C8C"/>
-                </a:solidFill>
-                <a:effectLst/>
-                <a:latin typeface="JetBrains Mono"/>
-              </a:rPr>
-              <a:t>(</a:t>
-            </a:r>
-            <a:r>
-              <a:rPr lang="en-US" altLang="zh-CN" sz="1800" i="1" dirty="0" err="1">
-                <a:solidFill>
-                  <a:srgbClr val="8C8C8C"/>
-                </a:solidFill>
-                <a:effectLst/>
-                <a:latin typeface="JetBrains Mono"/>
-              </a:rPr>
-              <a:t>Y_train.shape</a:t>
-            </a:r>
-            <a:r>
-              <a:rPr lang="en-US" altLang="zh-CN" sz="1800" i="1" dirty="0">
-                <a:solidFill>
-                  <a:srgbClr val="8C8C8C"/>
-                </a:solidFill>
-                <a:effectLst/>
-                <a:latin typeface="JetBrains Mono"/>
-              </a:rPr>
-              <a:t>[0], 1)</a:t>
+              <a:t>分割数据的次数（对数据进行随机排序的次数）</a:t>
             </a:r>
             <a:br>
-              <a:rPr lang="en-US" altLang="zh-CN" sz="1800" i="1" dirty="0">
-                <a:solidFill>
-                  <a:srgbClr val="8C8C8C"/>
-                </a:solidFill>
-                <a:effectLst/>
-                <a:latin typeface="JetBrains Mono"/>
-              </a:rPr>
-            </a:br>
-            <a:r>
-              <a:rPr lang="en-US" altLang="zh-CN" sz="1800" dirty="0">
-                <a:solidFill>
-                  <a:srgbClr val="080808"/>
-                </a:solidFill>
-                <a:effectLst/>
-                <a:latin typeface="JetBrains Mono"/>
-              </a:rPr>
-              <a:t>s = </a:t>
-            </a:r>
-            <a:r>
-              <a:rPr lang="en-US" altLang="zh-CN" sz="1800" dirty="0">
-                <a:solidFill>
-                  <a:srgbClr val="1750EB"/>
-                </a:solidFill>
-                <a:effectLst/>
-                <a:latin typeface="JetBrains Mono"/>
-              </a:rPr>
-              <a:t>50   </a:t>
-            </a:r>
-            <a:r>
-              <a:rPr lang="en-US" altLang="zh-CN" sz="1800" i="1" dirty="0">
-                <a:solidFill>
-                  <a:srgbClr val="8C8C8C"/>
-                </a:solidFill>
-                <a:effectLst/>
-                <a:latin typeface="JetBrains Mono"/>
-              </a:rPr>
-              <a:t># </a:t>
-            </a:r>
-            <a:r>
               <a:rPr lang="zh-CN" altLang="en-US" sz="1800" i="1" dirty="0">
                 <a:solidFill>
                   <a:srgbClr val="8C8C8C"/>
@@ -4502,7 +4414,68 @@
                 <a:latin typeface="宋体" panose="02010600030101010101" pitchFamily="2" charset="-122"/>
                 <a:ea typeface="宋体" panose="02010600030101010101" pitchFamily="2" charset="-122"/>
               </a:rPr>
-              <a:t>分割数据的次数（对数据进行随机排序的次数）</a:t>
+            </a:br>
+            <a:r>
+              <a:rPr lang="en-US" altLang="zh-CN" sz="1800" dirty="0">
+                <a:solidFill>
+                  <a:srgbClr val="080808"/>
+                </a:solidFill>
+                <a:effectLst/>
+                <a:latin typeface="JetBrains Mono"/>
+              </a:rPr>
+              <a:t>m = </a:t>
+            </a:r>
+            <a:r>
+              <a:rPr lang="en-US" altLang="zh-CN" sz="1800" dirty="0">
+                <a:solidFill>
+                  <a:srgbClr val="1750EB"/>
+                </a:solidFill>
+                <a:effectLst/>
+                <a:latin typeface="JetBrains Mono"/>
+              </a:rPr>
+              <a:t>20    </a:t>
+            </a:r>
+            <a:r>
+              <a:rPr lang="en-US" altLang="zh-CN" sz="1800" i="1" dirty="0">
+                <a:solidFill>
+                  <a:srgbClr val="8C8C8C"/>
+                </a:solidFill>
+                <a:effectLst/>
+                <a:latin typeface="JetBrains Mono"/>
+              </a:rPr>
+              <a:t># </a:t>
+            </a:r>
+            <a:r>
+              <a:rPr lang="zh-CN" altLang="en-US" sz="1800" i="1" dirty="0">
+                <a:solidFill>
+                  <a:srgbClr val="8C8C8C"/>
+                </a:solidFill>
+                <a:effectLst/>
+                <a:latin typeface="宋体" panose="02010600030101010101" pitchFamily="2" charset="-122"/>
+                <a:ea typeface="宋体" panose="02010600030101010101" pitchFamily="2" charset="-122"/>
+              </a:rPr>
+              <a:t>对于每次分割得到的训练集，生成</a:t>
+            </a:r>
+            <a:r>
+              <a:rPr lang="en-US" altLang="zh-CN" sz="1800" i="1" dirty="0">
+                <a:solidFill>
+                  <a:srgbClr val="8C8C8C"/>
+                </a:solidFill>
+                <a:effectLst/>
+                <a:latin typeface="JetBrains Mono"/>
+              </a:rPr>
+              <a:t>m</a:t>
+            </a:r>
+            <a:r>
+              <a:rPr lang="zh-CN" altLang="en-US" sz="1800" i="1" dirty="0">
+                <a:solidFill>
+                  <a:srgbClr val="8C8C8C"/>
+                </a:solidFill>
+                <a:effectLst/>
+                <a:latin typeface="宋体" panose="02010600030101010101" pitchFamily="2" charset="-122"/>
+                <a:ea typeface="宋体" panose="02010600030101010101" pitchFamily="2" charset="-122"/>
+              </a:rPr>
+              <a:t>次噪声</a:t>
             </a:r>
             <a:br>
               <a:rPr lang="zh-CN" altLang="en-US" sz="1800" i="1" dirty="0">
@@ -4522,7 +4495,7 @@
                 <a:effectLst/>
                 <a:latin typeface="JetBrains Mono"/>
               </a:rPr>
-              <a:t>m = </a:t>
+              <a:t>w = </a:t>
             </a:r>
             <a:r>
               <a:rPr lang="en-US" altLang="zh-CN" sz="1800" dirty="0">
@@ -4532,7 +4505,7 @@
                 <a:effectLst/>
                 <a:latin typeface="JetBrains Mono"/>
               </a:rPr>
-              <a:t>20    </a:t>
+              <a:t>6  </a:t>
             </a:r>
             <a:r>
               <a:rPr lang="en-US" altLang="zh-CN" sz="1800" i="1" dirty="0">
@@ -4542,7 +4515,7 @@
                 <a:effectLst/>
                 <a:latin typeface="JetBrains Mono"/>
               </a:rPr>
-              <a:t># </a:t>
+              <a:t>#</a:t>
             </a:r>
             <a:r>
               <a:rPr lang="zh-CN" altLang="en-US" sz="1800" i="1" dirty="0">
@@ -4553,79 +4526,7 @@
                 <a:latin typeface="宋体" panose="02010600030101010101" pitchFamily="2" charset="-122"/>
                 <a:ea typeface="宋体" panose="02010600030101010101" pitchFamily="2" charset="-122"/>
               </a:rPr>
-              <a:t>对于每次分割得到的训练集，生成</a:t>
-            </a:r>
-            <a:r>
-              <a:rPr lang="en-US" altLang="zh-CN" sz="1800" i="1" dirty="0">
-                <a:solidFill>
-                  <a:srgbClr val="8C8C8C"/>
-                </a:solidFill>
-                <a:effectLst/>
-                <a:latin typeface="JetBrains Mono"/>
-              </a:rPr>
-              <a:t>m</a:t>
-            </a:r>
-            <a:r>
-              <a:rPr lang="zh-CN" altLang="en-US" sz="1800" i="1" dirty="0">
-                <a:solidFill>
-                  <a:srgbClr val="8C8C8C"/>
-                </a:solidFill>
-                <a:effectLst/>
-                <a:latin typeface="宋体" panose="02010600030101010101" pitchFamily="2" charset="-122"/>
-                <a:ea typeface="宋体" panose="02010600030101010101" pitchFamily="2" charset="-122"/>
-              </a:rPr>
-              <a:t>次噪声</a:t>
-            </a:r>
-            <a:br>
-              <a:rPr lang="zh-CN" altLang="en-US" sz="1800" i="1" dirty="0">
-                <a:solidFill>
-                  <a:srgbClr val="8C8C8C"/>
-                </a:solidFill>
-                <a:effectLst/>
-                <a:latin typeface="宋体" panose="02010600030101010101" pitchFamily="2" charset="-122"/>
-                <a:ea typeface="宋体" panose="02010600030101010101" pitchFamily="2" charset="-122"/>
-              </a:rPr>
-            </a:br>
-            <a:r>
-              <a:rPr lang="en-US" altLang="zh-CN" sz="1800" dirty="0">
-                <a:solidFill>
-                  <a:srgbClr val="080808"/>
-                </a:solidFill>
-                <a:effectLst/>
-                <a:latin typeface="JetBrains Mono"/>
-              </a:rPr>
-              <a:t>w = </a:t>
-            </a:r>
-            <a:r>
-              <a:rPr lang="en-US" altLang="zh-CN" sz="1800" dirty="0">
-                <a:solidFill>
-                  <a:srgbClr val="1750EB"/>
-                </a:solidFill>
-                <a:effectLst/>
-                <a:latin typeface="JetBrains Mono"/>
-              </a:rPr>
-              <a:t>6  </a:t>
-            </a:r>
-            <a:r>
-              <a:rPr lang="en-US" altLang="zh-CN" sz="1800" i="1" dirty="0">
-                <a:solidFill>
-                  <a:srgbClr val="8C8C8C"/>
-                </a:solidFill>
-                <a:effectLst/>
-                <a:latin typeface="JetBrains Mono"/>
-              </a:rPr>
-              <a:t>#5</a:t>
-            </a:r>
-            <a:r>
-              <a:rPr lang="zh-CN" altLang="en-US" sz="1800" i="1" dirty="0">
-                <a:solidFill>
-                  <a:srgbClr val="8C8C8C"/>
-                </a:solidFill>
-                <a:effectLst/>
-                <a:latin typeface="宋体" panose="02010600030101010101" pitchFamily="2" charset="-122"/>
-                <a:ea typeface="宋体" panose="02010600030101010101" pitchFamily="2" charset="-122"/>
-              </a:rPr>
-              <a:t>轮噪声比例</a:t>
+              <a:t>噪声比例</a:t>
             </a:r>
             <a:endParaRPr lang="en-US" altLang="zh-CN" sz="1800" i="1" dirty="0">
               <a:solidFill>
@@ -5058,10 +4959,10 @@
       </p:sp>
       <p:pic>
         <p:nvPicPr>
-          <p:cNvPr id="6" name="图片 5">
-            <a:extLst>
-              <a:ext uri="{FF2B5EF4-FFF2-40B4-BE49-F238E27FC236}">
-                <a16:creationId xmlns:a16="http://schemas.microsoft.com/office/drawing/2014/main" id="{0C0A089B-F4AE-FCF4-FE4A-A336F7F41948}"/>
+          <p:cNvPr id="7" name="图片 6">
+            <a:extLst>
+              <a:ext uri="{FF2B5EF4-FFF2-40B4-BE49-F238E27FC236}">
+                <a16:creationId xmlns:a16="http://schemas.microsoft.com/office/drawing/2014/main" id="{D9CC5937-2D88-3477-C0EC-B3B61C66FB65}"/>
               </a:ext>
             </a:extLst>
           </p:cNvPr>
@@ -5084,7 +4985,7 @@
         </p:blipFill>
         <p:spPr>
           <a:xfrm>
-            <a:off x="132272" y="2125831"/>
+            <a:off x="157565" y="1944439"/>
             <a:ext cx="5852172" cy="4389129"/>
           </a:xfrm>
           <a:prstGeom prst="rect">
@@ -5094,10 +4995,10 @@
       </p:pic>
       <p:pic>
         <p:nvPicPr>
-          <p:cNvPr id="9" name="图片 8">
-            <a:extLst>
-              <a:ext uri="{FF2B5EF4-FFF2-40B4-BE49-F238E27FC236}">
-                <a16:creationId xmlns:a16="http://schemas.microsoft.com/office/drawing/2014/main" id="{CD393B10-2F05-4905-76A9-FD67A1231D94}"/>
+          <p:cNvPr id="10" name="图片 9">
+            <a:extLst>
+              <a:ext uri="{FF2B5EF4-FFF2-40B4-BE49-F238E27FC236}">
+                <a16:creationId xmlns:a16="http://schemas.microsoft.com/office/drawing/2014/main" id="{609C8181-E8BD-8E86-6B36-15C174DBABDC}"/>
               </a:ext>
             </a:extLst>
           </p:cNvPr>
@@ -5120,7 +5021,7 @@
         </p:blipFill>
         <p:spPr>
           <a:xfrm>
-            <a:off x="6262778" y="2125830"/>
+            <a:off x="6182264" y="1944439"/>
             <a:ext cx="5852172" cy="4389129"/>
           </a:xfrm>
           <a:prstGeom prst="rect">
@@ -5202,7 +5103,7 @@
                 </a:solidFill>
                 <a:latin typeface="JetBrains Mono"/>
               </a:rPr>
-              <a:t>0.8</a:t>
+              <a:t>0.95</a:t>
             </a:r>
             <a:br>
               <a:rPr lang="en-US" altLang="zh-CN" sz="1800" i="1" dirty="0">
@@ -5426,10 +5327,10 @@
       </p:sp>
       <p:pic>
         <p:nvPicPr>
-          <p:cNvPr id="14" name="图片 13">
-            <a:extLst>
-              <a:ext uri="{FF2B5EF4-FFF2-40B4-BE49-F238E27FC236}">
-                <a16:creationId xmlns:a16="http://schemas.microsoft.com/office/drawing/2014/main" id="{6532D2D1-9A1B-AB64-2ECB-8F3A4F9D8AAC}"/>
+          <p:cNvPr id="8" name="图片 7">
+            <a:extLst>
+              <a:ext uri="{FF2B5EF4-FFF2-40B4-BE49-F238E27FC236}">
+                <a16:creationId xmlns:a16="http://schemas.microsoft.com/office/drawing/2014/main" id="{D8BDE9B7-CC0A-818C-7B86-CDC36EA7FAD2}"/>
               </a:ext>
             </a:extLst>
           </p:cNvPr>
@@ -5452,7 +5353,7 @@
         </p:blipFill>
         <p:spPr>
           <a:xfrm>
-            <a:off x="323197" y="1907294"/>
+            <a:off x="6133968" y="1892679"/>
             <a:ext cx="5852172" cy="4389129"/>
           </a:xfrm>
           <a:prstGeom prst="rect">
@@ -5462,10 +5363,10 @@
       </p:pic>
       <p:pic>
         <p:nvPicPr>
-          <p:cNvPr id="16" name="图片 15">
-            <a:extLst>
-              <a:ext uri="{FF2B5EF4-FFF2-40B4-BE49-F238E27FC236}">
-                <a16:creationId xmlns:a16="http://schemas.microsoft.com/office/drawing/2014/main" id="{8E8DD556-021C-A025-8E92-7D6C0498CDAF}"/>
+          <p:cNvPr id="12" name="图片 11">
+            <a:extLst>
+              <a:ext uri="{FF2B5EF4-FFF2-40B4-BE49-F238E27FC236}">
+                <a16:creationId xmlns:a16="http://schemas.microsoft.com/office/drawing/2014/main" id="{CBC0F344-34F8-6D72-1BCB-6FA8652C197E}"/>
               </a:ext>
             </a:extLst>
           </p:cNvPr>
@@ -5488,7 +5389,7 @@
         </p:blipFill>
         <p:spPr>
           <a:xfrm>
-            <a:off x="6096000" y="1892681"/>
+            <a:off x="472722" y="1892679"/>
             <a:ext cx="5852172" cy="4389129"/>
           </a:xfrm>
           <a:prstGeom prst="rect">
@@ -5500,6 +5401,209 @@
     <p:extLst>
       <p:ext uri="{BB962C8B-B14F-4D97-AF65-F5344CB8AC3E}">
         <p14:creationId xmlns:p14="http://schemas.microsoft.com/office/powerpoint/2010/main" val="2469082131"/>
+      </p:ext>
+    </p:extLst>
+  </p:cSld>
+  <p:clrMapOvr>
+    <a:masterClrMapping/>
+  </p:clrMapOvr>
+</p:sld>
+</file>
+
+<file path=ppt/slides/slide6.xml><?xml version="1.0" encoding="utf-8"?>
+<p:sld xmlns:a="http://schemas.openxmlformats.org/drawingml/2006/main" xmlns:r="http://schemas.openxmlformats.org/officeDocument/2006/relationships" xmlns:p="http://schemas.openxmlformats.org/presentationml/2006/main">
+  <p:cSld>
+    <p:spTree>
+      <p:nvGrpSpPr>
+        <p:cNvPr id="1" name=""/>
+        <p:cNvGrpSpPr/>
+        <p:nvPr/>
+      </p:nvGrpSpPr>
+      <p:grpSpPr>
+        <a:xfrm>
+          <a:off x="0" y="0"/>
+          <a:ext cx="0" cy="0"/>
+          <a:chOff x="0" y="0"/>
+          <a:chExt cx="0" cy="0"/>
+        </a:xfrm>
+      </p:grpSpPr>
+      <p:sp>
+        <p:nvSpPr>
+          <p:cNvPr id="2" name="文本框 1">
+            <a:extLst>
+              <a:ext uri="{FF2B5EF4-FFF2-40B4-BE49-F238E27FC236}">
+                <a16:creationId xmlns:a16="http://schemas.microsoft.com/office/drawing/2014/main" id="{5CA20D84-9E24-D4E9-F112-BECD96E8AFC4}"/>
+              </a:ext>
+            </a:extLst>
+          </p:cNvPr>
+          <p:cNvSpPr txBox="1"/>
+          <p:nvPr/>
+        </p:nvSpPr>
+        <p:spPr>
+          <a:xfrm>
+            <a:off x="736121" y="621102"/>
+            <a:ext cx="1685077" cy="923330"/>
+          </a:xfrm>
+          <a:prstGeom prst="rect">
+            <a:avLst/>
+          </a:prstGeom>
+          <a:noFill/>
+        </p:spPr>
+        <p:txBody>
+          <a:bodyPr wrap="none" rtlCol="0">
+            <a:spAutoFit/>
+          </a:bodyPr>
+          <a:lstStyle/>
+          <a:p>
+            <a:r>
+              <a:rPr lang="en-US" altLang="zh-CN" dirty="0"/>
+              <a:t>LS</a:t>
+            </a:r>
+            <a:r>
+              <a:rPr lang="zh-CN" altLang="en-US" dirty="0"/>
+              <a:t>：</a:t>
+            </a:r>
+            <a:r>
+              <a:rPr lang="en-US" altLang="zh-CN" dirty="0"/>
+              <a:t>10,10,6</a:t>
+            </a:r>
+          </a:p>
+          <a:p>
+            <a:endParaRPr lang="en-US" altLang="zh-CN" dirty="0"/>
+          </a:p>
+          <a:p>
+            <a:r>
+              <a:rPr lang="en-US" altLang="zh-CN" dirty="0"/>
+              <a:t>0.32   0.35 0.38</a:t>
+            </a:r>
+            <a:endParaRPr lang="zh-CN" altLang="en-US" dirty="0"/>
+          </a:p>
+        </p:txBody>
+      </p:sp>
+      <p:pic>
+        <p:nvPicPr>
+          <p:cNvPr id="5" name="图片 4">
+            <a:extLst>
+              <a:ext uri="{FF2B5EF4-FFF2-40B4-BE49-F238E27FC236}">
+                <a16:creationId xmlns:a16="http://schemas.microsoft.com/office/drawing/2014/main" id="{70320D6E-F7D6-78FB-F07A-241997F2F4FE}"/>
+              </a:ext>
+            </a:extLst>
+          </p:cNvPr>
+          <p:cNvPicPr>
+            <a:picLocks noChangeAspect="1"/>
+          </p:cNvPicPr>
+          <p:nvPr/>
+        </p:nvPicPr>
+        <p:blipFill>
+          <a:blip r:embed="rId2"/>
+          <a:stretch>
+            <a:fillRect/>
+          </a:stretch>
+        </p:blipFill>
+        <p:spPr>
+          <a:xfrm>
+            <a:off x="212847" y="1886309"/>
+            <a:ext cx="3269319" cy="2748232"/>
+          </a:xfrm>
+          <a:prstGeom prst="rect">
+            <a:avLst/>
+          </a:prstGeom>
+        </p:spPr>
+      </p:pic>
+      <p:pic>
+        <p:nvPicPr>
+          <p:cNvPr id="7" name="图片 6">
+            <a:extLst>
+              <a:ext uri="{FF2B5EF4-FFF2-40B4-BE49-F238E27FC236}">
+                <a16:creationId xmlns:a16="http://schemas.microsoft.com/office/drawing/2014/main" id="{D46585D7-C2A6-6C69-FB01-13898F2002C7}"/>
+              </a:ext>
+            </a:extLst>
+          </p:cNvPr>
+          <p:cNvPicPr>
+            <a:picLocks noChangeAspect="1"/>
+          </p:cNvPicPr>
+          <p:nvPr/>
+        </p:nvPicPr>
+        <p:blipFill>
+          <a:blip r:embed="rId3"/>
+          <a:stretch>
+            <a:fillRect/>
+          </a:stretch>
+        </p:blipFill>
+        <p:spPr>
+          <a:xfrm>
+            <a:off x="3584090" y="1845465"/>
+            <a:ext cx="3412053" cy="2868217"/>
+          </a:xfrm>
+          <a:prstGeom prst="rect">
+            <a:avLst/>
+          </a:prstGeom>
+        </p:spPr>
+      </p:pic>
+      <p:pic>
+        <p:nvPicPr>
+          <p:cNvPr id="9" name="图片 8">
+            <a:extLst>
+              <a:ext uri="{FF2B5EF4-FFF2-40B4-BE49-F238E27FC236}">
+                <a16:creationId xmlns:a16="http://schemas.microsoft.com/office/drawing/2014/main" id="{8DBFAFB6-7501-1025-8A49-9D1586091099}"/>
+              </a:ext>
+            </a:extLst>
+          </p:cNvPr>
+          <p:cNvPicPr>
+            <a:picLocks noChangeAspect="1"/>
+          </p:cNvPicPr>
+          <p:nvPr/>
+        </p:nvPicPr>
+        <p:blipFill>
+          <a:blip r:embed="rId4"/>
+          <a:stretch>
+            <a:fillRect/>
+          </a:stretch>
+        </p:blipFill>
+        <p:spPr>
+          <a:xfrm>
+            <a:off x="7204894" y="1929539"/>
+            <a:ext cx="3212023" cy="2700068"/>
+          </a:xfrm>
+          <a:prstGeom prst="rect">
+            <a:avLst/>
+          </a:prstGeom>
+        </p:spPr>
+      </p:pic>
+    </p:spTree>
+    <p:extLst>
+      <p:ext uri="{BB962C8B-B14F-4D97-AF65-F5344CB8AC3E}">
+        <p14:creationId xmlns:p14="http://schemas.microsoft.com/office/powerpoint/2010/main" val="2947415303"/>
+      </p:ext>
+    </p:extLst>
+  </p:cSld>
+  <p:clrMapOvr>
+    <a:masterClrMapping/>
+  </p:clrMapOvr>
+</p:sld>
+</file>
+
+<file path=ppt/slides/slide7.xml><?xml version="1.0" encoding="utf-8"?>
+<p:sld xmlns:a="http://schemas.openxmlformats.org/drawingml/2006/main" xmlns:r="http://schemas.openxmlformats.org/officeDocument/2006/relationships" xmlns:p="http://schemas.openxmlformats.org/presentationml/2006/main">
+  <p:cSld>
+    <p:spTree>
+      <p:nvGrpSpPr>
+        <p:cNvPr id="1" name=""/>
+        <p:cNvGrpSpPr/>
+        <p:nvPr/>
+      </p:nvGrpSpPr>
+      <p:grpSpPr>
+        <a:xfrm>
+          <a:off x="0" y="0"/>
+          <a:ext cx="0" cy="0"/>
+          <a:chOff x="0" y="0"/>
+          <a:chExt cx="0" cy="0"/>
+        </a:xfrm>
+      </p:grpSpPr>
+    </p:spTree>
+    <p:extLst>
+      <p:ext uri="{BB962C8B-B14F-4D97-AF65-F5344CB8AC3E}">
+        <p14:creationId xmlns:p14="http://schemas.microsoft.com/office/powerpoint/2010/main" val="2505197169"/>
       </p:ext>
     </p:extLst>
   </p:cSld>

--- a/sycode/国庆后的修改图片/国庆之后的修改结构.pptx
+++ b/sycode/国庆后的修改图片/国庆之后的修改结构.pptx
@@ -5,13 +5,10 @@
     <p:sldMasterId id="2147483648" r:id="rId1"/>
   </p:sldMasterIdLst>
   <p:sldIdLst>
-    <p:sldId id="256" r:id="rId2"/>
-    <p:sldId id="257" r:id="rId3"/>
-    <p:sldId id="258" r:id="rId4"/>
-    <p:sldId id="259" r:id="rId5"/>
-    <p:sldId id="260" r:id="rId6"/>
-    <p:sldId id="261" r:id="rId7"/>
-    <p:sldId id="262" r:id="rId8"/>
+    <p:sldId id="259" r:id="rId2"/>
+    <p:sldId id="263" r:id="rId3"/>
+    <p:sldId id="264" r:id="rId4"/>
+    <p:sldId id="260" r:id="rId5"/>
   </p:sldIdLst>
   <p:sldSz cx="12192000" cy="6858000"/>
   <p:notesSz cx="6858000" cy="9144000"/>
@@ -265,7 +262,7 @@
           <a:p>
             <a:fld id="{AD9DA926-A515-480C-B9CE-FA598AD02AD9}" type="datetimeFigureOut">
               <a:rPr lang="zh-CN" altLang="en-US" smtClean="0"/>
-              <a:t>2023/10/10</a:t>
+              <a:t>2023/10/18</a:t>
             </a:fld>
             <a:endParaRPr lang="zh-CN" altLang="en-US"/>
           </a:p>
@@ -463,7 +460,7 @@
           <a:p>
             <a:fld id="{AD9DA926-A515-480C-B9CE-FA598AD02AD9}" type="datetimeFigureOut">
               <a:rPr lang="zh-CN" altLang="en-US" smtClean="0"/>
-              <a:t>2023/10/10</a:t>
+              <a:t>2023/10/18</a:t>
             </a:fld>
             <a:endParaRPr lang="zh-CN" altLang="en-US"/>
           </a:p>
@@ -671,7 +668,7 @@
           <a:p>
             <a:fld id="{AD9DA926-A515-480C-B9CE-FA598AD02AD9}" type="datetimeFigureOut">
               <a:rPr lang="zh-CN" altLang="en-US" smtClean="0"/>
-              <a:t>2023/10/10</a:t>
+              <a:t>2023/10/18</a:t>
             </a:fld>
             <a:endParaRPr lang="zh-CN" altLang="en-US"/>
           </a:p>
@@ -869,7 +866,7 @@
           <a:p>
             <a:fld id="{AD9DA926-A515-480C-B9CE-FA598AD02AD9}" type="datetimeFigureOut">
               <a:rPr lang="zh-CN" altLang="en-US" smtClean="0"/>
-              <a:t>2023/10/10</a:t>
+              <a:t>2023/10/18</a:t>
             </a:fld>
             <a:endParaRPr lang="zh-CN" altLang="en-US"/>
           </a:p>
@@ -1144,7 +1141,7 @@
           <a:p>
             <a:fld id="{AD9DA926-A515-480C-B9CE-FA598AD02AD9}" type="datetimeFigureOut">
               <a:rPr lang="zh-CN" altLang="en-US" smtClean="0"/>
-              <a:t>2023/10/10</a:t>
+              <a:t>2023/10/18</a:t>
             </a:fld>
             <a:endParaRPr lang="zh-CN" altLang="en-US"/>
           </a:p>
@@ -1409,7 +1406,7 @@
           <a:p>
             <a:fld id="{AD9DA926-A515-480C-B9CE-FA598AD02AD9}" type="datetimeFigureOut">
               <a:rPr lang="zh-CN" altLang="en-US" smtClean="0"/>
-              <a:t>2023/10/10</a:t>
+              <a:t>2023/10/18</a:t>
             </a:fld>
             <a:endParaRPr lang="zh-CN" altLang="en-US"/>
           </a:p>
@@ -1821,7 +1818,7 @@
           <a:p>
             <a:fld id="{AD9DA926-A515-480C-B9CE-FA598AD02AD9}" type="datetimeFigureOut">
               <a:rPr lang="zh-CN" altLang="en-US" smtClean="0"/>
-              <a:t>2023/10/10</a:t>
+              <a:t>2023/10/18</a:t>
             </a:fld>
             <a:endParaRPr lang="zh-CN" altLang="en-US"/>
           </a:p>
@@ -1962,7 +1959,7 @@
           <a:p>
             <a:fld id="{AD9DA926-A515-480C-B9CE-FA598AD02AD9}" type="datetimeFigureOut">
               <a:rPr lang="zh-CN" altLang="en-US" smtClean="0"/>
-              <a:t>2023/10/10</a:t>
+              <a:t>2023/10/18</a:t>
             </a:fld>
             <a:endParaRPr lang="zh-CN" altLang="en-US"/>
           </a:p>
@@ -2075,7 +2072,7 @@
           <a:p>
             <a:fld id="{AD9DA926-A515-480C-B9CE-FA598AD02AD9}" type="datetimeFigureOut">
               <a:rPr lang="zh-CN" altLang="en-US" smtClean="0"/>
-              <a:t>2023/10/10</a:t>
+              <a:t>2023/10/18</a:t>
             </a:fld>
             <a:endParaRPr lang="zh-CN" altLang="en-US"/>
           </a:p>
@@ -2386,7 +2383,7 @@
           <a:p>
             <a:fld id="{AD9DA926-A515-480C-B9CE-FA598AD02AD9}" type="datetimeFigureOut">
               <a:rPr lang="zh-CN" altLang="en-US" smtClean="0"/>
-              <a:t>2023/10/10</a:t>
+              <a:t>2023/10/18</a:t>
             </a:fld>
             <a:endParaRPr lang="zh-CN" altLang="en-US"/>
           </a:p>
@@ -2674,7 +2671,7 @@
           <a:p>
             <a:fld id="{AD9DA926-A515-480C-B9CE-FA598AD02AD9}" type="datetimeFigureOut">
               <a:rPr lang="zh-CN" altLang="en-US" smtClean="0"/>
-              <a:t>2023/10/10</a:t>
+              <a:t>2023/10/18</a:t>
             </a:fld>
             <a:endParaRPr lang="zh-CN" altLang="en-US"/>
           </a:p>
@@ -2915,7 +2912,7 @@
           <a:p>
             <a:fld id="{AD9DA926-A515-480C-B9CE-FA598AD02AD9}" type="datetimeFigureOut">
               <a:rPr lang="zh-CN" altLang="en-US" smtClean="0"/>
-              <a:t>2023/10/10</a:t>
+              <a:t>2023/10/18</a:t>
             </a:fld>
             <a:endParaRPr lang="zh-CN" altLang="en-US"/>
           </a:p>
@@ -3332,12 +3329,296 @@
           <a:chExt cx="0" cy="0"/>
         </a:xfrm>
       </p:grpSpPr>
+      <p:sp>
+        <p:nvSpPr>
+          <p:cNvPr id="4" name="文本框 3">
+            <a:extLst>
+              <a:ext uri="{FF2B5EF4-FFF2-40B4-BE49-F238E27FC236}">
+                <a16:creationId xmlns:a16="http://schemas.microsoft.com/office/drawing/2014/main" id="{E78BBAAE-A5CB-A77A-77A5-769A1B7BDF33}"/>
+              </a:ext>
+            </a:extLst>
+          </p:cNvPr>
+          <p:cNvSpPr txBox="1"/>
+          <p:nvPr/>
+        </p:nvSpPr>
+        <p:spPr>
+          <a:xfrm>
+            <a:off x="132272" y="109600"/>
+            <a:ext cx="10633494" cy="1200329"/>
+          </a:xfrm>
+          <a:prstGeom prst="rect">
+            <a:avLst/>
+          </a:prstGeom>
+          <a:noFill/>
+        </p:spPr>
+        <p:txBody>
+          <a:bodyPr wrap="square">
+            <a:spAutoFit/>
+          </a:bodyPr>
+          <a:lstStyle/>
+          <a:p>
+            <a:r>
+              <a:rPr lang="en-US" altLang="zh-CN" sz="1800" dirty="0">
+                <a:solidFill>
+                  <a:srgbClr val="080808"/>
+                </a:solidFill>
+                <a:effectLst/>
+                <a:latin typeface="JetBrains Mono"/>
+              </a:rPr>
+              <a:t>n = </a:t>
+            </a:r>
+            <a:r>
+              <a:rPr lang="en-US" altLang="zh-CN" sz="1800" dirty="0">
+                <a:solidFill>
+                  <a:srgbClr val="1750EB"/>
+                </a:solidFill>
+                <a:effectLst/>
+                <a:latin typeface="JetBrains Mono"/>
+              </a:rPr>
+              <a:t>20    </a:t>
+            </a:r>
+            <a:r>
+              <a:rPr lang="en-US" altLang="zh-CN" sz="1800" i="1" dirty="0">
+                <a:solidFill>
+                  <a:srgbClr val="8C8C8C"/>
+                </a:solidFill>
+                <a:effectLst/>
+                <a:latin typeface="JetBrains Mono"/>
+              </a:rPr>
+              <a:t># </a:t>
+            </a:r>
+            <a:r>
+              <a:rPr lang="zh-CN" altLang="en-US" sz="1800" i="1" dirty="0">
+                <a:solidFill>
+                  <a:srgbClr val="8C8C8C"/>
+                </a:solidFill>
+                <a:effectLst/>
+                <a:latin typeface="宋体" panose="02010600030101010101" pitchFamily="2" charset="-122"/>
+                <a:ea typeface="宋体" panose="02010600030101010101" pitchFamily="2" charset="-122"/>
+              </a:rPr>
+              <a:t>最大噪声水平</a:t>
+            </a:r>
+            <a:br>
+              <a:rPr lang="en-US" altLang="zh-CN" sz="1800" i="1" dirty="0">
+                <a:solidFill>
+                  <a:srgbClr val="8C8C8C"/>
+                </a:solidFill>
+                <a:effectLst/>
+                <a:latin typeface="JetBrains Mono"/>
+              </a:rPr>
+            </a:br>
+            <a:r>
+              <a:rPr lang="en-US" altLang="zh-CN" sz="1800" dirty="0">
+                <a:solidFill>
+                  <a:srgbClr val="080808"/>
+                </a:solidFill>
+                <a:effectLst/>
+                <a:latin typeface="JetBrains Mono"/>
+              </a:rPr>
+              <a:t>s = </a:t>
+            </a:r>
+            <a:r>
+              <a:rPr lang="en-US" altLang="zh-CN" sz="1800" dirty="0">
+                <a:solidFill>
+                  <a:srgbClr val="1750EB"/>
+                </a:solidFill>
+                <a:effectLst/>
+                <a:latin typeface="JetBrains Mono"/>
+              </a:rPr>
+              <a:t>50   </a:t>
+            </a:r>
+            <a:r>
+              <a:rPr lang="en-US" altLang="zh-CN" sz="1800" i="1" dirty="0">
+                <a:solidFill>
+                  <a:srgbClr val="8C8C8C"/>
+                </a:solidFill>
+                <a:effectLst/>
+                <a:latin typeface="JetBrains Mono"/>
+              </a:rPr>
+              <a:t># </a:t>
+            </a:r>
+            <a:r>
+              <a:rPr lang="zh-CN" altLang="en-US" sz="1800" i="1" dirty="0">
+                <a:solidFill>
+                  <a:srgbClr val="8C8C8C"/>
+                </a:solidFill>
+                <a:effectLst/>
+                <a:latin typeface="宋体" panose="02010600030101010101" pitchFamily="2" charset="-122"/>
+                <a:ea typeface="宋体" panose="02010600030101010101" pitchFamily="2" charset="-122"/>
+              </a:rPr>
+              <a:t>分割数据的次数（对数据进行随机排序的次数）</a:t>
+            </a:r>
+            <a:br>
+              <a:rPr lang="zh-CN" altLang="en-US" sz="1800" i="1" dirty="0">
+                <a:solidFill>
+                  <a:srgbClr val="8C8C8C"/>
+                </a:solidFill>
+                <a:effectLst/>
+                <a:latin typeface="宋体" panose="02010600030101010101" pitchFamily="2" charset="-122"/>
+                <a:ea typeface="宋体" panose="02010600030101010101" pitchFamily="2" charset="-122"/>
+              </a:rPr>
+            </a:br>
+            <a:r>
+              <a:rPr lang="en-US" altLang="zh-CN" sz="1800" dirty="0">
+                <a:solidFill>
+                  <a:srgbClr val="080808"/>
+                </a:solidFill>
+                <a:effectLst/>
+                <a:latin typeface="JetBrains Mono"/>
+              </a:rPr>
+              <a:t>m = </a:t>
+            </a:r>
+            <a:r>
+              <a:rPr lang="en-US" altLang="zh-CN" sz="1800" dirty="0">
+                <a:solidFill>
+                  <a:srgbClr val="1750EB"/>
+                </a:solidFill>
+                <a:effectLst/>
+                <a:latin typeface="JetBrains Mono"/>
+              </a:rPr>
+              <a:t>20    </a:t>
+            </a:r>
+            <a:r>
+              <a:rPr lang="en-US" altLang="zh-CN" sz="1800" i="1" dirty="0">
+                <a:solidFill>
+                  <a:srgbClr val="8C8C8C"/>
+                </a:solidFill>
+                <a:effectLst/>
+                <a:latin typeface="JetBrains Mono"/>
+              </a:rPr>
+              <a:t># </a:t>
+            </a:r>
+            <a:r>
+              <a:rPr lang="zh-CN" altLang="en-US" sz="1800" i="1" dirty="0">
+                <a:solidFill>
+                  <a:srgbClr val="8C8C8C"/>
+                </a:solidFill>
+                <a:effectLst/>
+                <a:latin typeface="宋体" panose="02010600030101010101" pitchFamily="2" charset="-122"/>
+                <a:ea typeface="宋体" panose="02010600030101010101" pitchFamily="2" charset="-122"/>
+              </a:rPr>
+              <a:t>对于每次分割得到的训练集，生成</a:t>
+            </a:r>
+            <a:r>
+              <a:rPr lang="en-US" altLang="zh-CN" sz="1800" i="1" dirty="0">
+                <a:solidFill>
+                  <a:srgbClr val="8C8C8C"/>
+                </a:solidFill>
+                <a:effectLst/>
+                <a:latin typeface="JetBrains Mono"/>
+              </a:rPr>
+              <a:t>m</a:t>
+            </a:r>
+            <a:r>
+              <a:rPr lang="zh-CN" altLang="en-US" sz="1800" i="1" dirty="0">
+                <a:solidFill>
+                  <a:srgbClr val="8C8C8C"/>
+                </a:solidFill>
+                <a:effectLst/>
+                <a:latin typeface="宋体" panose="02010600030101010101" pitchFamily="2" charset="-122"/>
+                <a:ea typeface="宋体" panose="02010600030101010101" pitchFamily="2" charset="-122"/>
+              </a:rPr>
+              <a:t>次噪声</a:t>
+            </a:r>
+            <a:br>
+              <a:rPr lang="zh-CN" altLang="en-US" sz="1800" i="1" dirty="0">
+                <a:solidFill>
+                  <a:srgbClr val="8C8C8C"/>
+                </a:solidFill>
+                <a:effectLst/>
+                <a:latin typeface="宋体" panose="02010600030101010101" pitchFamily="2" charset="-122"/>
+                <a:ea typeface="宋体" panose="02010600030101010101" pitchFamily="2" charset="-122"/>
+              </a:rPr>
+            </a:br>
+            <a:r>
+              <a:rPr lang="en-US" altLang="zh-CN" dirty="0">
+                <a:solidFill>
+                  <a:srgbClr val="080808"/>
+                </a:solidFill>
+                <a:latin typeface="JetBrains Mono"/>
+                <a:ea typeface="宋体" panose="02010600030101010101" pitchFamily="2" charset="-122"/>
+              </a:rPr>
+              <a:t>pattern</a:t>
+            </a:r>
+            <a:r>
+              <a:rPr lang="en-US" altLang="zh-CN" sz="1800" dirty="0">
+                <a:solidFill>
+                  <a:srgbClr val="080808"/>
+                </a:solidFill>
+                <a:effectLst/>
+                <a:latin typeface="JetBrains Mono"/>
+              </a:rPr>
+              <a:t>= [</a:t>
+            </a:r>
+            <a:r>
+              <a:rPr lang="en-US" altLang="zh-CN" sz="1800" dirty="0">
+                <a:solidFill>
+                  <a:srgbClr val="1750EB"/>
+                </a:solidFill>
+                <a:effectLst/>
+                <a:latin typeface="JetBrains Mono"/>
+              </a:rPr>
+              <a:t>1</a:t>
+            </a:r>
+            <a:r>
+              <a:rPr lang="en-US" altLang="zh-CN" sz="1800" dirty="0">
+                <a:solidFill>
+                  <a:srgbClr val="080808"/>
+                </a:solidFill>
+                <a:effectLst/>
+                <a:latin typeface="JetBrains Mono"/>
+              </a:rPr>
+              <a:t>, </a:t>
+            </a:r>
+            <a:r>
+              <a:rPr lang="en-US" altLang="zh-CN" sz="1800" dirty="0">
+                <a:solidFill>
+                  <a:srgbClr val="1750EB"/>
+                </a:solidFill>
+                <a:effectLst/>
+                <a:latin typeface="JetBrains Mono"/>
+              </a:rPr>
+              <a:t>0.1</a:t>
+            </a:r>
+            <a:r>
+              <a:rPr lang="en-US" altLang="zh-CN" sz="1800" dirty="0">
+                <a:solidFill>
+                  <a:srgbClr val="080808"/>
+                </a:solidFill>
+                <a:effectLst/>
+                <a:latin typeface="JetBrains Mono"/>
+              </a:rPr>
+              <a:t>, </a:t>
+            </a:r>
+            <a:r>
+              <a:rPr lang="en-US" altLang="zh-CN" sz="1800" dirty="0">
+                <a:solidFill>
+                  <a:srgbClr val="1750EB"/>
+                </a:solidFill>
+                <a:effectLst/>
+                <a:latin typeface="JetBrains Mono"/>
+              </a:rPr>
+              <a:t>0.02</a:t>
+            </a:r>
+            <a:r>
+              <a:rPr lang="en-US" altLang="zh-CN" sz="1800" dirty="0">
+                <a:solidFill>
+                  <a:srgbClr val="080808"/>
+                </a:solidFill>
+                <a:effectLst/>
+                <a:latin typeface="JetBrains Mono"/>
+              </a:rPr>
+              <a:t>]</a:t>
+            </a:r>
+          </a:p>
+        </p:txBody>
+      </p:sp>
       <p:pic>
         <p:nvPicPr>
-          <p:cNvPr id="11" name="图片 10">
-            <a:extLst>
-              <a:ext uri="{FF2B5EF4-FFF2-40B4-BE49-F238E27FC236}">
-                <a16:creationId xmlns:a16="http://schemas.microsoft.com/office/drawing/2014/main" id="{160CCACB-6298-D9BC-E066-1AE581EA02C8}"/>
+          <p:cNvPr id="12" name="图片 11">
+            <a:extLst>
+              <a:ext uri="{FF2B5EF4-FFF2-40B4-BE49-F238E27FC236}">
+                <a16:creationId xmlns:a16="http://schemas.microsoft.com/office/drawing/2014/main" id="{6AFCDE97-B4FA-7AF6-BBF9-0DF3D5CA485A}"/>
               </a:ext>
             </a:extLst>
           </p:cNvPr>
@@ -3360,8 +3641,8 @@
         </p:blipFill>
         <p:spPr>
           <a:xfrm>
-            <a:off x="143775" y="482704"/>
-            <a:ext cx="4019908" cy="3014932"/>
+            <a:off x="6281816" y="1610686"/>
+            <a:ext cx="5434814" cy="3882010"/>
           </a:xfrm>
           <a:prstGeom prst="rect">
             <a:avLst/>
@@ -3370,10 +3651,10 @@
       </p:pic>
       <p:pic>
         <p:nvPicPr>
-          <p:cNvPr id="13" name="图片 12">
-            <a:extLst>
-              <a:ext uri="{FF2B5EF4-FFF2-40B4-BE49-F238E27FC236}">
-                <a16:creationId xmlns:a16="http://schemas.microsoft.com/office/drawing/2014/main" id="{32AFD9CC-9F56-000B-9B4F-4BC4E993FCD2}"/>
+          <p:cNvPr id="14" name="图片 13">
+            <a:extLst>
+              <a:ext uri="{FF2B5EF4-FFF2-40B4-BE49-F238E27FC236}">
+                <a16:creationId xmlns:a16="http://schemas.microsoft.com/office/drawing/2014/main" id="{36D62F08-CE15-24AA-DF5E-17399874A561}"/>
               </a:ext>
             </a:extLst>
           </p:cNvPr>
@@ -3396,273 +3677,18 @@
         </p:blipFill>
         <p:spPr>
           <a:xfrm>
-            <a:off x="3847954" y="482704"/>
-            <a:ext cx="4129949" cy="3097462"/>
+            <a:off x="216576" y="1610687"/>
+            <a:ext cx="5434813" cy="3882009"/>
           </a:xfrm>
           <a:prstGeom prst="rect">
             <a:avLst/>
           </a:prstGeom>
         </p:spPr>
       </p:pic>
-      <p:pic>
-        <p:nvPicPr>
-          <p:cNvPr id="15" name="图片 14">
-            <a:extLst>
-              <a:ext uri="{FF2B5EF4-FFF2-40B4-BE49-F238E27FC236}">
-                <a16:creationId xmlns:a16="http://schemas.microsoft.com/office/drawing/2014/main" id="{E02B25D7-A6EE-1D07-3275-47BAF01E1A5A}"/>
-              </a:ext>
-            </a:extLst>
-          </p:cNvPr>
-          <p:cNvPicPr>
-            <a:picLocks noChangeAspect="1"/>
-          </p:cNvPicPr>
-          <p:nvPr/>
-        </p:nvPicPr>
-        <p:blipFill>
-          <a:blip r:embed="rId4">
-            <a:extLst>
-              <a:ext uri="{28A0092B-C50C-407E-A947-70E740481C1C}">
-                <a14:useLocalDpi xmlns:a14="http://schemas.microsoft.com/office/drawing/2010/main" val="0"/>
-              </a:ext>
-            </a:extLst>
-          </a:blip>
-          <a:stretch>
-            <a:fillRect/>
-          </a:stretch>
-        </p:blipFill>
-        <p:spPr>
-          <a:xfrm>
-            <a:off x="7605430" y="400174"/>
-            <a:ext cx="4353256" cy="3264942"/>
-          </a:xfrm>
-          <a:prstGeom prst="rect">
-            <a:avLst/>
-          </a:prstGeom>
-        </p:spPr>
-      </p:pic>
-      <p:sp>
-        <p:nvSpPr>
-          <p:cNvPr id="16" name="文本框 15">
-            <a:extLst>
-              <a:ext uri="{FF2B5EF4-FFF2-40B4-BE49-F238E27FC236}">
-                <a16:creationId xmlns:a16="http://schemas.microsoft.com/office/drawing/2014/main" id="{38972BA9-06A9-DB7F-A5E2-824CB9223C01}"/>
-              </a:ext>
-            </a:extLst>
-          </p:cNvPr>
-          <p:cNvSpPr txBox="1"/>
-          <p:nvPr/>
-        </p:nvSpPr>
-        <p:spPr>
-          <a:xfrm>
-            <a:off x="1173193" y="258793"/>
-            <a:ext cx="1255472" cy="369332"/>
-          </a:xfrm>
-          <a:prstGeom prst="rect">
-            <a:avLst/>
-          </a:prstGeom>
-          <a:noFill/>
-        </p:spPr>
-        <p:txBody>
-          <a:bodyPr wrap="none" rtlCol="0">
-            <a:spAutoFit/>
-          </a:bodyPr>
-          <a:lstStyle/>
-          <a:p>
-            <a:r>
-              <a:rPr lang="en-US" altLang="zh-CN" dirty="0"/>
-              <a:t>[1,0.1,0.05]</a:t>
-            </a:r>
-            <a:endParaRPr lang="zh-CN" altLang="en-US" dirty="0"/>
-          </a:p>
-        </p:txBody>
-      </p:sp>
-      <p:sp>
-        <p:nvSpPr>
-          <p:cNvPr id="17" name="文本框 16">
-            <a:extLst>
-              <a:ext uri="{FF2B5EF4-FFF2-40B4-BE49-F238E27FC236}">
-                <a16:creationId xmlns:a16="http://schemas.microsoft.com/office/drawing/2014/main" id="{50865C8D-FC02-8859-EA62-70024082ECA8}"/>
-              </a:ext>
-            </a:extLst>
-          </p:cNvPr>
-          <p:cNvSpPr txBox="1"/>
-          <p:nvPr/>
-        </p:nvSpPr>
-        <p:spPr>
-          <a:xfrm>
-            <a:off x="5193101" y="256773"/>
-            <a:ext cx="1255472" cy="369332"/>
-          </a:xfrm>
-          <a:prstGeom prst="rect">
-            <a:avLst/>
-          </a:prstGeom>
-          <a:noFill/>
-        </p:spPr>
-        <p:txBody>
-          <a:bodyPr wrap="none" rtlCol="0">
-            <a:spAutoFit/>
-          </a:bodyPr>
-          <a:lstStyle/>
-          <a:p>
-            <a:r>
-              <a:rPr lang="en-US" altLang="zh-CN" dirty="0"/>
-              <a:t>[0.1,1,0.05]</a:t>
-            </a:r>
-            <a:endParaRPr lang="zh-CN" altLang="en-US" dirty="0"/>
-          </a:p>
-        </p:txBody>
-      </p:sp>
-      <p:sp>
-        <p:nvSpPr>
-          <p:cNvPr id="18" name="文本框 17">
-            <a:extLst>
-              <a:ext uri="{FF2B5EF4-FFF2-40B4-BE49-F238E27FC236}">
-                <a16:creationId xmlns:a16="http://schemas.microsoft.com/office/drawing/2014/main" id="{1B1E369C-452E-EBBE-61C7-4E5C562131FB}"/>
-              </a:ext>
-            </a:extLst>
-          </p:cNvPr>
-          <p:cNvSpPr txBox="1"/>
-          <p:nvPr/>
-        </p:nvSpPr>
-        <p:spPr>
-          <a:xfrm>
-            <a:off x="9262584" y="256773"/>
-            <a:ext cx="1255472" cy="369332"/>
-          </a:xfrm>
-          <a:prstGeom prst="rect">
-            <a:avLst/>
-          </a:prstGeom>
-          <a:noFill/>
-        </p:spPr>
-        <p:txBody>
-          <a:bodyPr wrap="none" rtlCol="0">
-            <a:spAutoFit/>
-          </a:bodyPr>
-          <a:lstStyle/>
-          <a:p>
-            <a:r>
-              <a:rPr lang="en-US" altLang="zh-CN" dirty="0"/>
-              <a:t>[0.05,0.1,1]</a:t>
-            </a:r>
-            <a:endParaRPr lang="zh-CN" altLang="en-US" dirty="0"/>
-          </a:p>
-        </p:txBody>
-      </p:sp>
-      <p:sp>
-        <p:nvSpPr>
-          <p:cNvPr id="19" name="文本框 18">
-            <a:extLst>
-              <a:ext uri="{FF2B5EF4-FFF2-40B4-BE49-F238E27FC236}">
-                <a16:creationId xmlns:a16="http://schemas.microsoft.com/office/drawing/2014/main" id="{922CEE72-27D0-3E7F-1A73-61B249A8B91A}"/>
-              </a:ext>
-            </a:extLst>
-          </p:cNvPr>
-          <p:cNvSpPr txBox="1"/>
-          <p:nvPr/>
-        </p:nvSpPr>
-        <p:spPr>
-          <a:xfrm>
-            <a:off x="108943" y="72107"/>
-            <a:ext cx="421910" cy="369332"/>
-          </a:xfrm>
-          <a:prstGeom prst="rect">
-            <a:avLst/>
-          </a:prstGeom>
-          <a:noFill/>
-        </p:spPr>
-        <p:txBody>
-          <a:bodyPr wrap="none" rtlCol="0">
-            <a:spAutoFit/>
-          </a:bodyPr>
-          <a:lstStyle/>
-          <a:p>
-            <a:r>
-              <a:rPr lang="en-US" altLang="zh-CN" b="1" dirty="0"/>
-              <a:t>LS</a:t>
-            </a:r>
-            <a:endParaRPr lang="zh-CN" altLang="en-US" b="1" dirty="0"/>
-          </a:p>
-        </p:txBody>
-      </p:sp>
-      <p:pic>
-        <p:nvPicPr>
-          <p:cNvPr id="21" name="图片 20">
-            <a:extLst>
-              <a:ext uri="{FF2B5EF4-FFF2-40B4-BE49-F238E27FC236}">
-                <a16:creationId xmlns:a16="http://schemas.microsoft.com/office/drawing/2014/main" id="{4ACD95C2-08B6-BAEA-E690-471AF9319FE3}"/>
-              </a:ext>
-            </a:extLst>
-          </p:cNvPr>
-          <p:cNvPicPr>
-            <a:picLocks noChangeAspect="1"/>
-          </p:cNvPicPr>
-          <p:nvPr/>
-        </p:nvPicPr>
-        <p:blipFill>
-          <a:blip r:embed="rId5">
-            <a:extLst>
-              <a:ext uri="{28A0092B-C50C-407E-A947-70E740481C1C}">
-                <a14:useLocalDpi xmlns:a14="http://schemas.microsoft.com/office/drawing/2010/main" val="0"/>
-              </a:ext>
-            </a:extLst>
-          </a:blip>
-          <a:stretch>
-            <a:fillRect/>
-          </a:stretch>
-        </p:blipFill>
-        <p:spPr>
-          <a:xfrm>
-            <a:off x="3847953" y="3760538"/>
-            <a:ext cx="4129949" cy="3097462"/>
-          </a:xfrm>
-          <a:prstGeom prst="rect">
-            <a:avLst/>
-          </a:prstGeom>
-        </p:spPr>
-      </p:pic>
-      <p:sp>
-        <p:nvSpPr>
-          <p:cNvPr id="2" name="文本框 1">
-            <a:extLst>
-              <a:ext uri="{FF2B5EF4-FFF2-40B4-BE49-F238E27FC236}">
-                <a16:creationId xmlns:a16="http://schemas.microsoft.com/office/drawing/2014/main" id="{65EF4216-F010-12E9-9C5F-B4C3BC35FB7C}"/>
-              </a:ext>
-            </a:extLst>
-          </p:cNvPr>
-          <p:cNvSpPr txBox="1"/>
-          <p:nvPr/>
-        </p:nvSpPr>
-        <p:spPr>
-          <a:xfrm>
-            <a:off x="1109932" y="5152845"/>
-            <a:ext cx="2738021" cy="646331"/>
-          </a:xfrm>
-          <a:prstGeom prst="rect">
-            <a:avLst/>
-          </a:prstGeom>
-          <a:noFill/>
-        </p:spPr>
-        <p:txBody>
-          <a:bodyPr wrap="square" rtlCol="0">
-            <a:spAutoFit/>
-          </a:bodyPr>
-          <a:lstStyle/>
-          <a:p>
-            <a:r>
-              <a:rPr lang="en-US" altLang="zh-CN" dirty="0"/>
-              <a:t>[1,0.1,0.05]</a:t>
-            </a:r>
-            <a:r>
-              <a:rPr lang="zh-CN" altLang="en-US" dirty="0"/>
-              <a:t>三个元素随机排列得到的结果</a:t>
-            </a:r>
-          </a:p>
-        </p:txBody>
-      </p:sp>
     </p:spTree>
     <p:extLst>
       <p:ext uri="{BB962C8B-B14F-4D97-AF65-F5344CB8AC3E}">
-        <p14:creationId xmlns:p14="http://schemas.microsoft.com/office/powerpoint/2010/main" val="2348853897"/>
+        <p14:creationId xmlns:p14="http://schemas.microsoft.com/office/powerpoint/2010/main" val="1881181459"/>
       </p:ext>
     </p:extLst>
   </p:cSld>
@@ -3689,12 +3715,286 @@
           <a:chExt cx="0" cy="0"/>
         </a:xfrm>
       </p:grpSpPr>
+      <p:sp>
+        <p:nvSpPr>
+          <p:cNvPr id="4" name="文本框 3">
+            <a:extLst>
+              <a:ext uri="{FF2B5EF4-FFF2-40B4-BE49-F238E27FC236}">
+                <a16:creationId xmlns:a16="http://schemas.microsoft.com/office/drawing/2014/main" id="{E78BBAAE-A5CB-A77A-77A5-769A1B7BDF33}"/>
+              </a:ext>
+            </a:extLst>
+          </p:cNvPr>
+          <p:cNvSpPr txBox="1"/>
+          <p:nvPr/>
+        </p:nvSpPr>
+        <p:spPr>
+          <a:xfrm>
+            <a:off x="132272" y="109600"/>
+            <a:ext cx="10633494" cy="1200329"/>
+          </a:xfrm>
+          <a:prstGeom prst="rect">
+            <a:avLst/>
+          </a:prstGeom>
+          <a:noFill/>
+        </p:spPr>
+        <p:txBody>
+          <a:bodyPr wrap="square">
+            <a:spAutoFit/>
+          </a:bodyPr>
+          <a:lstStyle/>
+          <a:p>
+            <a:r>
+              <a:rPr lang="en-US" altLang="zh-CN" sz="1800" dirty="0">
+                <a:solidFill>
+                  <a:srgbClr val="080808"/>
+                </a:solidFill>
+                <a:effectLst/>
+                <a:latin typeface="JetBrains Mono"/>
+              </a:rPr>
+              <a:t>n = </a:t>
+            </a:r>
+            <a:r>
+              <a:rPr lang="en-US" altLang="zh-CN" sz="1800" dirty="0">
+                <a:solidFill>
+                  <a:srgbClr val="1750EB"/>
+                </a:solidFill>
+                <a:effectLst/>
+                <a:latin typeface="JetBrains Mono"/>
+              </a:rPr>
+              <a:t>20    </a:t>
+            </a:r>
+            <a:r>
+              <a:rPr lang="en-US" altLang="zh-CN" sz="1800" i="1" dirty="0">
+                <a:solidFill>
+                  <a:srgbClr val="8C8C8C"/>
+                </a:solidFill>
+                <a:effectLst/>
+                <a:latin typeface="JetBrains Mono"/>
+              </a:rPr>
+              <a:t># </a:t>
+            </a:r>
+            <a:r>
+              <a:rPr lang="zh-CN" altLang="en-US" sz="1800" i="1" dirty="0">
+                <a:solidFill>
+                  <a:srgbClr val="8C8C8C"/>
+                </a:solidFill>
+                <a:effectLst/>
+                <a:latin typeface="宋体" panose="02010600030101010101" pitchFamily="2" charset="-122"/>
+                <a:ea typeface="宋体" panose="02010600030101010101" pitchFamily="2" charset="-122"/>
+              </a:rPr>
+              <a:t>最大噪声水平</a:t>
+            </a:r>
+            <a:br>
+              <a:rPr lang="en-US" altLang="zh-CN" sz="1800" i="1" dirty="0">
+                <a:solidFill>
+                  <a:srgbClr val="8C8C8C"/>
+                </a:solidFill>
+                <a:effectLst/>
+                <a:latin typeface="JetBrains Mono"/>
+              </a:rPr>
+            </a:br>
+            <a:r>
+              <a:rPr lang="en-US" altLang="zh-CN" sz="1800" dirty="0">
+                <a:solidFill>
+                  <a:srgbClr val="080808"/>
+                </a:solidFill>
+                <a:effectLst/>
+                <a:latin typeface="JetBrains Mono"/>
+              </a:rPr>
+              <a:t>s = </a:t>
+            </a:r>
+            <a:r>
+              <a:rPr lang="en-US" altLang="zh-CN" sz="1800" dirty="0">
+                <a:solidFill>
+                  <a:srgbClr val="1750EB"/>
+                </a:solidFill>
+                <a:effectLst/>
+                <a:latin typeface="JetBrains Mono"/>
+              </a:rPr>
+              <a:t>50   </a:t>
+            </a:r>
+            <a:r>
+              <a:rPr lang="en-US" altLang="zh-CN" sz="1800" i="1" dirty="0">
+                <a:solidFill>
+                  <a:srgbClr val="8C8C8C"/>
+                </a:solidFill>
+                <a:effectLst/>
+                <a:latin typeface="JetBrains Mono"/>
+              </a:rPr>
+              <a:t># </a:t>
+            </a:r>
+            <a:r>
+              <a:rPr lang="zh-CN" altLang="en-US" sz="1800" i="1" dirty="0">
+                <a:solidFill>
+                  <a:srgbClr val="8C8C8C"/>
+                </a:solidFill>
+                <a:effectLst/>
+                <a:latin typeface="宋体" panose="02010600030101010101" pitchFamily="2" charset="-122"/>
+                <a:ea typeface="宋体" panose="02010600030101010101" pitchFamily="2" charset="-122"/>
+              </a:rPr>
+              <a:t>分割数据的次数（对数据进行随机排序的次数）</a:t>
+            </a:r>
+            <a:br>
+              <a:rPr lang="zh-CN" altLang="en-US" sz="1800" i="1" dirty="0">
+                <a:solidFill>
+                  <a:srgbClr val="8C8C8C"/>
+                </a:solidFill>
+                <a:effectLst/>
+                <a:latin typeface="宋体" panose="02010600030101010101" pitchFamily="2" charset="-122"/>
+                <a:ea typeface="宋体" panose="02010600030101010101" pitchFamily="2" charset="-122"/>
+              </a:rPr>
+            </a:br>
+            <a:r>
+              <a:rPr lang="en-US" altLang="zh-CN" sz="1800" dirty="0">
+                <a:solidFill>
+                  <a:srgbClr val="080808"/>
+                </a:solidFill>
+                <a:effectLst/>
+                <a:latin typeface="JetBrains Mono"/>
+              </a:rPr>
+              <a:t>m = </a:t>
+            </a:r>
+            <a:r>
+              <a:rPr lang="en-US" altLang="zh-CN" sz="1800" dirty="0">
+                <a:solidFill>
+                  <a:srgbClr val="1750EB"/>
+                </a:solidFill>
+                <a:effectLst/>
+                <a:latin typeface="JetBrains Mono"/>
+              </a:rPr>
+              <a:t>20    </a:t>
+            </a:r>
+            <a:r>
+              <a:rPr lang="en-US" altLang="zh-CN" sz="1800" i="1" dirty="0">
+                <a:solidFill>
+                  <a:srgbClr val="8C8C8C"/>
+                </a:solidFill>
+                <a:effectLst/>
+                <a:latin typeface="JetBrains Mono"/>
+              </a:rPr>
+              <a:t># </a:t>
+            </a:r>
+            <a:r>
+              <a:rPr lang="zh-CN" altLang="en-US" sz="1800" i="1" dirty="0">
+                <a:solidFill>
+                  <a:srgbClr val="8C8C8C"/>
+                </a:solidFill>
+                <a:effectLst/>
+                <a:latin typeface="宋体" panose="02010600030101010101" pitchFamily="2" charset="-122"/>
+                <a:ea typeface="宋体" panose="02010600030101010101" pitchFamily="2" charset="-122"/>
+              </a:rPr>
+              <a:t>对于每次分割得到的训练集，生成</a:t>
+            </a:r>
+            <a:r>
+              <a:rPr lang="en-US" altLang="zh-CN" sz="1800" i="1" dirty="0">
+                <a:solidFill>
+                  <a:srgbClr val="8C8C8C"/>
+                </a:solidFill>
+                <a:effectLst/>
+                <a:latin typeface="JetBrains Mono"/>
+              </a:rPr>
+              <a:t>m</a:t>
+            </a:r>
+            <a:r>
+              <a:rPr lang="zh-CN" altLang="en-US" sz="1800" i="1" dirty="0">
+                <a:solidFill>
+                  <a:srgbClr val="8C8C8C"/>
+                </a:solidFill>
+                <a:effectLst/>
+                <a:latin typeface="宋体" panose="02010600030101010101" pitchFamily="2" charset="-122"/>
+                <a:ea typeface="宋体" panose="02010600030101010101" pitchFamily="2" charset="-122"/>
+              </a:rPr>
+              <a:t>次噪声</a:t>
+            </a:r>
+            <a:br>
+              <a:rPr lang="zh-CN" altLang="en-US" sz="1800" i="1" dirty="0">
+                <a:solidFill>
+                  <a:srgbClr val="8C8C8C"/>
+                </a:solidFill>
+                <a:effectLst/>
+                <a:latin typeface="宋体" panose="02010600030101010101" pitchFamily="2" charset="-122"/>
+                <a:ea typeface="宋体" panose="02010600030101010101" pitchFamily="2" charset="-122"/>
+              </a:rPr>
+            </a:br>
+            <a:r>
+              <a:rPr lang="en-US" altLang="zh-CN" sz="1800" dirty="0">
+                <a:solidFill>
+                  <a:srgbClr val="080808"/>
+                </a:solidFill>
+                <a:effectLst/>
+                <a:latin typeface="JetBrains Mono"/>
+              </a:rPr>
+              <a:t>times= [</a:t>
+            </a:r>
+            <a:r>
+              <a:rPr lang="en-US" altLang="zh-CN" sz="1800" dirty="0">
+                <a:solidFill>
+                  <a:srgbClr val="1750EB"/>
+                </a:solidFill>
+                <a:effectLst/>
+                <a:latin typeface="JetBrains Mono"/>
+              </a:rPr>
+              <a:t>0.98</a:t>
+            </a:r>
+            <a:r>
+              <a:rPr lang="en-US" altLang="zh-CN" sz="1800" dirty="0">
+                <a:solidFill>
+                  <a:srgbClr val="080808"/>
+                </a:solidFill>
+                <a:effectLst/>
+                <a:latin typeface="JetBrains Mono"/>
+              </a:rPr>
+              <a:t>, </a:t>
+            </a:r>
+            <a:r>
+              <a:rPr lang="en-US" altLang="zh-CN" sz="1800" dirty="0">
+                <a:solidFill>
+                  <a:srgbClr val="1750EB"/>
+                </a:solidFill>
+                <a:effectLst/>
+                <a:latin typeface="JetBrains Mono"/>
+              </a:rPr>
+              <a:t>0.1</a:t>
+            </a:r>
+            <a:r>
+              <a:rPr lang="en-US" altLang="zh-CN" sz="1800" dirty="0">
+                <a:solidFill>
+                  <a:srgbClr val="080808"/>
+                </a:solidFill>
+                <a:effectLst/>
+                <a:latin typeface="JetBrains Mono"/>
+              </a:rPr>
+              <a:t>, </a:t>
+            </a:r>
+            <a:r>
+              <a:rPr lang="en-US" altLang="zh-CN" sz="1800" dirty="0">
+                <a:solidFill>
+                  <a:srgbClr val="1750EB"/>
+                </a:solidFill>
+                <a:effectLst/>
+                <a:latin typeface="JetBrains Mono"/>
+              </a:rPr>
+              <a:t>0.06</a:t>
+            </a:r>
+            <a:r>
+              <a:rPr lang="en-US" altLang="zh-CN" sz="1800" dirty="0">
+                <a:solidFill>
+                  <a:srgbClr val="080808"/>
+                </a:solidFill>
+                <a:effectLst/>
+                <a:latin typeface="JetBrains Mono"/>
+              </a:rPr>
+              <a:t>]</a:t>
+            </a:r>
+          </a:p>
+        </p:txBody>
+      </p:sp>
       <p:pic>
         <p:nvPicPr>
-          <p:cNvPr id="12" name="图片 11">
-            <a:extLst>
-              <a:ext uri="{FF2B5EF4-FFF2-40B4-BE49-F238E27FC236}">
-                <a16:creationId xmlns:a16="http://schemas.microsoft.com/office/drawing/2014/main" id="{88BE9ACD-A6B3-4F3E-A1A9-7A4AA987D822}"/>
+          <p:cNvPr id="3" name="图片 2">
+            <a:extLst>
+              <a:ext uri="{FF2B5EF4-FFF2-40B4-BE49-F238E27FC236}">
+                <a16:creationId xmlns:a16="http://schemas.microsoft.com/office/drawing/2014/main" id="{7355BD67-9E2D-F42F-3948-9B9C2FF248CF}"/>
               </a:ext>
             </a:extLst>
           </p:cNvPr>
@@ -3717,188 +4017,8 @@
         </p:blipFill>
         <p:spPr>
           <a:xfrm>
-            <a:off x="3847528" y="3641666"/>
-            <a:ext cx="4209543" cy="3157157"/>
-          </a:xfrm>
-          <a:prstGeom prst="rect">
-            <a:avLst/>
-          </a:prstGeom>
-        </p:spPr>
-      </p:pic>
-      <p:sp>
-        <p:nvSpPr>
-          <p:cNvPr id="16" name="文本框 15">
-            <a:extLst>
-              <a:ext uri="{FF2B5EF4-FFF2-40B4-BE49-F238E27FC236}">
-                <a16:creationId xmlns:a16="http://schemas.microsoft.com/office/drawing/2014/main" id="{38972BA9-06A9-DB7F-A5E2-824CB9223C01}"/>
-              </a:ext>
-            </a:extLst>
-          </p:cNvPr>
-          <p:cNvSpPr txBox="1"/>
-          <p:nvPr/>
-        </p:nvSpPr>
-        <p:spPr>
-          <a:xfrm>
-            <a:off x="1063837" y="425571"/>
-            <a:ext cx="1255472" cy="369332"/>
-          </a:xfrm>
-          <a:prstGeom prst="rect">
-            <a:avLst/>
-          </a:prstGeom>
-          <a:noFill/>
-        </p:spPr>
-        <p:txBody>
-          <a:bodyPr wrap="none" rtlCol="0">
-            <a:spAutoFit/>
-          </a:bodyPr>
-          <a:lstStyle/>
-          <a:p>
-            <a:r>
-              <a:rPr lang="en-US" altLang="zh-CN" dirty="0"/>
-              <a:t>[1,0.1,0.05]</a:t>
-            </a:r>
-            <a:endParaRPr lang="zh-CN" altLang="en-US" dirty="0"/>
-          </a:p>
-        </p:txBody>
-      </p:sp>
-      <p:sp>
-        <p:nvSpPr>
-          <p:cNvPr id="17" name="文本框 16">
-            <a:extLst>
-              <a:ext uri="{FF2B5EF4-FFF2-40B4-BE49-F238E27FC236}">
-                <a16:creationId xmlns:a16="http://schemas.microsoft.com/office/drawing/2014/main" id="{50865C8D-FC02-8859-EA62-70024082ECA8}"/>
-              </a:ext>
-            </a:extLst>
-          </p:cNvPr>
-          <p:cNvSpPr txBox="1"/>
-          <p:nvPr/>
-        </p:nvSpPr>
-        <p:spPr>
-          <a:xfrm>
-            <a:off x="5083745" y="423551"/>
-            <a:ext cx="1255472" cy="369332"/>
-          </a:xfrm>
-          <a:prstGeom prst="rect">
-            <a:avLst/>
-          </a:prstGeom>
-          <a:noFill/>
-        </p:spPr>
-        <p:txBody>
-          <a:bodyPr wrap="none" rtlCol="0">
-            <a:spAutoFit/>
-          </a:bodyPr>
-          <a:lstStyle/>
-          <a:p>
-            <a:r>
-              <a:rPr lang="en-US" altLang="zh-CN" dirty="0"/>
-              <a:t>[0.1,1,0.05]</a:t>
-            </a:r>
-            <a:endParaRPr lang="zh-CN" altLang="en-US" dirty="0"/>
-          </a:p>
-        </p:txBody>
-      </p:sp>
-      <p:sp>
-        <p:nvSpPr>
-          <p:cNvPr id="18" name="文本框 17">
-            <a:extLst>
-              <a:ext uri="{FF2B5EF4-FFF2-40B4-BE49-F238E27FC236}">
-                <a16:creationId xmlns:a16="http://schemas.microsoft.com/office/drawing/2014/main" id="{1B1E369C-452E-EBBE-61C7-4E5C562131FB}"/>
-              </a:ext>
-            </a:extLst>
-          </p:cNvPr>
-          <p:cNvSpPr txBox="1"/>
-          <p:nvPr/>
-        </p:nvSpPr>
-        <p:spPr>
-          <a:xfrm>
-            <a:off x="9153228" y="423551"/>
-            <a:ext cx="1255472" cy="369332"/>
-          </a:xfrm>
-          <a:prstGeom prst="rect">
-            <a:avLst/>
-          </a:prstGeom>
-          <a:noFill/>
-        </p:spPr>
-        <p:txBody>
-          <a:bodyPr wrap="none" rtlCol="0">
-            <a:spAutoFit/>
-          </a:bodyPr>
-          <a:lstStyle/>
-          <a:p>
-            <a:r>
-              <a:rPr lang="en-US" altLang="zh-CN" dirty="0"/>
-              <a:t>[0.05,0.1,1]</a:t>
-            </a:r>
-            <a:endParaRPr lang="zh-CN" altLang="en-US" dirty="0"/>
-          </a:p>
-        </p:txBody>
-      </p:sp>
-      <p:sp>
-        <p:nvSpPr>
-          <p:cNvPr id="2" name="文本框 1">
-            <a:extLst>
-              <a:ext uri="{FF2B5EF4-FFF2-40B4-BE49-F238E27FC236}">
-                <a16:creationId xmlns:a16="http://schemas.microsoft.com/office/drawing/2014/main" id="{D63546FA-E1B1-97C5-74A3-6CC7DAFEBB2E}"/>
-              </a:ext>
-            </a:extLst>
-          </p:cNvPr>
-          <p:cNvSpPr txBox="1"/>
-          <p:nvPr/>
-        </p:nvSpPr>
-        <p:spPr>
-          <a:xfrm>
-            <a:off x="78188" y="54219"/>
-            <a:ext cx="548548" cy="369332"/>
-          </a:xfrm>
-          <a:prstGeom prst="rect">
-            <a:avLst/>
-          </a:prstGeom>
-          <a:noFill/>
-        </p:spPr>
-        <p:txBody>
-          <a:bodyPr wrap="none" rtlCol="0">
-            <a:spAutoFit/>
-          </a:bodyPr>
-          <a:lstStyle/>
-          <a:p>
-            <a:r>
-              <a:rPr lang="en-US" altLang="zh-CN" b="1" dirty="0"/>
-              <a:t>TLS</a:t>
-            </a:r>
-            <a:endParaRPr lang="zh-CN" altLang="en-US" b="1" dirty="0"/>
-          </a:p>
-        </p:txBody>
-      </p:sp>
-      <p:pic>
-        <p:nvPicPr>
-          <p:cNvPr id="4" name="图片 3">
-            <a:extLst>
-              <a:ext uri="{FF2B5EF4-FFF2-40B4-BE49-F238E27FC236}">
-                <a16:creationId xmlns:a16="http://schemas.microsoft.com/office/drawing/2014/main" id="{C9E06F41-0BDA-831A-AA2B-C06C96985097}"/>
-              </a:ext>
-            </a:extLst>
-          </p:cNvPr>
-          <p:cNvPicPr>
-            <a:picLocks noChangeAspect="1"/>
-          </p:cNvPicPr>
-          <p:nvPr/>
-        </p:nvPicPr>
-        <p:blipFill>
-          <a:blip r:embed="rId3">
-            <a:extLst>
-              <a:ext uri="{28A0092B-C50C-407E-A947-70E740481C1C}">
-                <a14:useLocalDpi xmlns:a14="http://schemas.microsoft.com/office/drawing/2010/main" val="0"/>
-              </a:ext>
-            </a:extLst>
-          </a:blip>
-          <a:stretch>
-            <a:fillRect/>
-          </a:stretch>
-        </p:blipFill>
-        <p:spPr>
-          <a:xfrm>
-            <a:off x="0" y="792882"/>
-            <a:ext cx="4209543" cy="3157157"/>
+            <a:off x="6252456" y="1532593"/>
+            <a:ext cx="5185934" cy="3704239"/>
           </a:xfrm>
           <a:prstGeom prst="rect">
             <a:avLst/>
@@ -3910,7 +4030,7 @@
           <p:cNvPr id="6" name="图片 5">
             <a:extLst>
               <a:ext uri="{FF2B5EF4-FFF2-40B4-BE49-F238E27FC236}">
-                <a16:creationId xmlns:a16="http://schemas.microsoft.com/office/drawing/2014/main" id="{C90E4F14-168E-470B-D136-2E5F2817188C}"/>
+                <a16:creationId xmlns:a16="http://schemas.microsoft.com/office/drawing/2014/main" id="{FB019DCD-CEA6-4416-8FDC-CB1B1EE90524}"/>
               </a:ext>
             </a:extLst>
           </p:cNvPr>
@@ -3920,7 +4040,7 @@
           <p:nvPr/>
         </p:nvPicPr>
         <p:blipFill>
-          <a:blip r:embed="rId4">
+          <a:blip r:embed="rId3">
             <a:extLst>
               <a:ext uri="{28A0092B-C50C-407E-A947-70E740481C1C}">
                 <a14:useLocalDpi xmlns:a14="http://schemas.microsoft.com/office/drawing/2010/main" val="0"/>
@@ -3933,93 +4053,18 @@
         </p:blipFill>
         <p:spPr>
           <a:xfrm>
-            <a:off x="3847528" y="792881"/>
-            <a:ext cx="4209543" cy="3157157"/>
+            <a:off x="576017" y="1532593"/>
+            <a:ext cx="5185934" cy="3704239"/>
           </a:xfrm>
           <a:prstGeom prst="rect">
             <a:avLst/>
           </a:prstGeom>
         </p:spPr>
       </p:pic>
-      <p:pic>
-        <p:nvPicPr>
-          <p:cNvPr id="8" name="图片 7">
-            <a:extLst>
-              <a:ext uri="{FF2B5EF4-FFF2-40B4-BE49-F238E27FC236}">
-                <a16:creationId xmlns:a16="http://schemas.microsoft.com/office/drawing/2014/main" id="{751C3524-3E90-B069-709C-7DEFC9B4097B}"/>
-              </a:ext>
-            </a:extLst>
-          </p:cNvPr>
-          <p:cNvPicPr>
-            <a:picLocks noChangeAspect="1"/>
-          </p:cNvPicPr>
-          <p:nvPr/>
-        </p:nvPicPr>
-        <p:blipFill>
-          <a:blip r:embed="rId5">
-            <a:extLst>
-              <a:ext uri="{28A0092B-C50C-407E-A947-70E740481C1C}">
-                <a14:useLocalDpi xmlns:a14="http://schemas.microsoft.com/office/drawing/2010/main" val="0"/>
-              </a:ext>
-            </a:extLst>
-          </a:blip>
-          <a:stretch>
-            <a:fillRect/>
-          </a:stretch>
-        </p:blipFill>
-        <p:spPr>
-          <a:xfrm>
-            <a:off x="7798251" y="792881"/>
-            <a:ext cx="4209543" cy="3157157"/>
-          </a:xfrm>
-          <a:prstGeom prst="rect">
-            <a:avLst/>
-          </a:prstGeom>
-        </p:spPr>
-      </p:pic>
-      <p:sp>
-        <p:nvSpPr>
-          <p:cNvPr id="3" name="文本框 2">
-            <a:extLst>
-              <a:ext uri="{FF2B5EF4-FFF2-40B4-BE49-F238E27FC236}">
-                <a16:creationId xmlns:a16="http://schemas.microsoft.com/office/drawing/2014/main" id="{EF2014F3-172D-72FD-6A2C-6BEB9A96351A}"/>
-              </a:ext>
-            </a:extLst>
-          </p:cNvPr>
-          <p:cNvSpPr txBox="1"/>
-          <p:nvPr/>
-        </p:nvSpPr>
-        <p:spPr>
-          <a:xfrm>
-            <a:off x="1109932" y="5152845"/>
-            <a:ext cx="2738021" cy="646331"/>
-          </a:xfrm>
-          <a:prstGeom prst="rect">
-            <a:avLst/>
-          </a:prstGeom>
-          <a:noFill/>
-        </p:spPr>
-        <p:txBody>
-          <a:bodyPr wrap="square" rtlCol="0">
-            <a:spAutoFit/>
-          </a:bodyPr>
-          <a:lstStyle/>
-          <a:p>
-            <a:r>
-              <a:rPr lang="en-US" altLang="zh-CN" dirty="0"/>
-              <a:t>[1,0.1,0.05]</a:t>
-            </a:r>
-            <a:r>
-              <a:rPr lang="zh-CN" altLang="en-US" dirty="0"/>
-              <a:t>三个元素随机排列得到的结果</a:t>
-            </a:r>
-          </a:p>
-        </p:txBody>
-      </p:sp>
     </p:spTree>
     <p:extLst>
       <p:ext uri="{BB962C8B-B14F-4D97-AF65-F5344CB8AC3E}">
-        <p14:creationId xmlns:p14="http://schemas.microsoft.com/office/powerpoint/2010/main" val="1375426608"/>
+        <p14:creationId xmlns:p14="http://schemas.microsoft.com/office/powerpoint/2010/main" val="1778905783"/>
       </p:ext>
     </p:extLst>
   </p:cSld>
@@ -4046,12 +4091,286 @@
           <a:chExt cx="0" cy="0"/>
         </a:xfrm>
       </p:grpSpPr>
+      <p:sp>
+        <p:nvSpPr>
+          <p:cNvPr id="4" name="文本框 3">
+            <a:extLst>
+              <a:ext uri="{FF2B5EF4-FFF2-40B4-BE49-F238E27FC236}">
+                <a16:creationId xmlns:a16="http://schemas.microsoft.com/office/drawing/2014/main" id="{E78BBAAE-A5CB-A77A-77A5-769A1B7BDF33}"/>
+              </a:ext>
+            </a:extLst>
+          </p:cNvPr>
+          <p:cNvSpPr txBox="1"/>
+          <p:nvPr/>
+        </p:nvSpPr>
+        <p:spPr>
+          <a:xfrm>
+            <a:off x="132272" y="80239"/>
+            <a:ext cx="10633494" cy="1200329"/>
+          </a:xfrm>
+          <a:prstGeom prst="rect">
+            <a:avLst/>
+          </a:prstGeom>
+          <a:noFill/>
+        </p:spPr>
+        <p:txBody>
+          <a:bodyPr wrap="square">
+            <a:spAutoFit/>
+          </a:bodyPr>
+          <a:lstStyle/>
+          <a:p>
+            <a:r>
+              <a:rPr lang="en-US" altLang="zh-CN" sz="1800" dirty="0">
+                <a:solidFill>
+                  <a:srgbClr val="080808"/>
+                </a:solidFill>
+                <a:effectLst/>
+                <a:latin typeface="JetBrains Mono"/>
+              </a:rPr>
+              <a:t>n = </a:t>
+            </a:r>
+            <a:r>
+              <a:rPr lang="en-US" altLang="zh-CN" sz="1800" dirty="0">
+                <a:solidFill>
+                  <a:srgbClr val="1750EB"/>
+                </a:solidFill>
+                <a:effectLst/>
+                <a:latin typeface="JetBrains Mono"/>
+              </a:rPr>
+              <a:t>20    </a:t>
+            </a:r>
+            <a:r>
+              <a:rPr lang="en-US" altLang="zh-CN" sz="1800" i="1" dirty="0">
+                <a:solidFill>
+                  <a:srgbClr val="8C8C8C"/>
+                </a:solidFill>
+                <a:effectLst/>
+                <a:latin typeface="JetBrains Mono"/>
+              </a:rPr>
+              <a:t># </a:t>
+            </a:r>
+            <a:r>
+              <a:rPr lang="zh-CN" altLang="en-US" sz="1800" i="1" dirty="0">
+                <a:solidFill>
+                  <a:srgbClr val="8C8C8C"/>
+                </a:solidFill>
+                <a:effectLst/>
+                <a:latin typeface="宋体" panose="02010600030101010101" pitchFamily="2" charset="-122"/>
+                <a:ea typeface="宋体" panose="02010600030101010101" pitchFamily="2" charset="-122"/>
+              </a:rPr>
+              <a:t>最大噪声水平</a:t>
+            </a:r>
+            <a:br>
+              <a:rPr lang="en-US" altLang="zh-CN" sz="1800" i="1" dirty="0">
+                <a:solidFill>
+                  <a:srgbClr val="8C8C8C"/>
+                </a:solidFill>
+                <a:effectLst/>
+                <a:latin typeface="JetBrains Mono"/>
+              </a:rPr>
+            </a:br>
+            <a:r>
+              <a:rPr lang="en-US" altLang="zh-CN" sz="1800" dirty="0">
+                <a:solidFill>
+                  <a:srgbClr val="080808"/>
+                </a:solidFill>
+                <a:effectLst/>
+                <a:latin typeface="JetBrains Mono"/>
+              </a:rPr>
+              <a:t>s = </a:t>
+            </a:r>
+            <a:r>
+              <a:rPr lang="en-US" altLang="zh-CN" sz="1800" dirty="0">
+                <a:solidFill>
+                  <a:srgbClr val="1750EB"/>
+                </a:solidFill>
+                <a:effectLst/>
+                <a:latin typeface="JetBrains Mono"/>
+              </a:rPr>
+              <a:t>50   </a:t>
+            </a:r>
+            <a:r>
+              <a:rPr lang="en-US" altLang="zh-CN" sz="1800" i="1" dirty="0">
+                <a:solidFill>
+                  <a:srgbClr val="8C8C8C"/>
+                </a:solidFill>
+                <a:effectLst/>
+                <a:latin typeface="JetBrains Mono"/>
+              </a:rPr>
+              <a:t># </a:t>
+            </a:r>
+            <a:r>
+              <a:rPr lang="zh-CN" altLang="en-US" sz="1800" i="1" dirty="0">
+                <a:solidFill>
+                  <a:srgbClr val="8C8C8C"/>
+                </a:solidFill>
+                <a:effectLst/>
+                <a:latin typeface="宋体" panose="02010600030101010101" pitchFamily="2" charset="-122"/>
+                <a:ea typeface="宋体" panose="02010600030101010101" pitchFamily="2" charset="-122"/>
+              </a:rPr>
+              <a:t>分割数据的次数（对数据进行随机排序的次数）</a:t>
+            </a:r>
+            <a:br>
+              <a:rPr lang="zh-CN" altLang="en-US" sz="1800" i="1" dirty="0">
+                <a:solidFill>
+                  <a:srgbClr val="8C8C8C"/>
+                </a:solidFill>
+                <a:effectLst/>
+                <a:latin typeface="宋体" panose="02010600030101010101" pitchFamily="2" charset="-122"/>
+                <a:ea typeface="宋体" panose="02010600030101010101" pitchFamily="2" charset="-122"/>
+              </a:rPr>
+            </a:br>
+            <a:r>
+              <a:rPr lang="en-US" altLang="zh-CN" sz="1800" dirty="0">
+                <a:solidFill>
+                  <a:srgbClr val="080808"/>
+                </a:solidFill>
+                <a:effectLst/>
+                <a:latin typeface="JetBrains Mono"/>
+              </a:rPr>
+              <a:t>m = </a:t>
+            </a:r>
+            <a:r>
+              <a:rPr lang="en-US" altLang="zh-CN" sz="1800" dirty="0">
+                <a:solidFill>
+                  <a:srgbClr val="1750EB"/>
+                </a:solidFill>
+                <a:effectLst/>
+                <a:latin typeface="JetBrains Mono"/>
+              </a:rPr>
+              <a:t>20    </a:t>
+            </a:r>
+            <a:r>
+              <a:rPr lang="en-US" altLang="zh-CN" sz="1800" i="1" dirty="0">
+                <a:solidFill>
+                  <a:srgbClr val="8C8C8C"/>
+                </a:solidFill>
+                <a:effectLst/>
+                <a:latin typeface="JetBrains Mono"/>
+              </a:rPr>
+              <a:t># </a:t>
+            </a:r>
+            <a:r>
+              <a:rPr lang="zh-CN" altLang="en-US" sz="1800" i="1" dirty="0">
+                <a:solidFill>
+                  <a:srgbClr val="8C8C8C"/>
+                </a:solidFill>
+                <a:effectLst/>
+                <a:latin typeface="宋体" panose="02010600030101010101" pitchFamily="2" charset="-122"/>
+                <a:ea typeface="宋体" panose="02010600030101010101" pitchFamily="2" charset="-122"/>
+              </a:rPr>
+              <a:t>对于每次分割得到的训练集，生成</a:t>
+            </a:r>
+            <a:r>
+              <a:rPr lang="en-US" altLang="zh-CN" sz="1800" i="1" dirty="0">
+                <a:solidFill>
+                  <a:srgbClr val="8C8C8C"/>
+                </a:solidFill>
+                <a:effectLst/>
+                <a:latin typeface="JetBrains Mono"/>
+              </a:rPr>
+              <a:t>m</a:t>
+            </a:r>
+            <a:r>
+              <a:rPr lang="zh-CN" altLang="en-US" sz="1800" i="1" dirty="0">
+                <a:solidFill>
+                  <a:srgbClr val="8C8C8C"/>
+                </a:solidFill>
+                <a:effectLst/>
+                <a:latin typeface="宋体" panose="02010600030101010101" pitchFamily="2" charset="-122"/>
+                <a:ea typeface="宋体" panose="02010600030101010101" pitchFamily="2" charset="-122"/>
+              </a:rPr>
+              <a:t>次噪声</a:t>
+            </a:r>
+            <a:br>
+              <a:rPr lang="zh-CN" altLang="en-US" sz="1800" i="1" dirty="0">
+                <a:solidFill>
+                  <a:srgbClr val="8C8C8C"/>
+                </a:solidFill>
+                <a:effectLst/>
+                <a:latin typeface="宋体" panose="02010600030101010101" pitchFamily="2" charset="-122"/>
+                <a:ea typeface="宋体" panose="02010600030101010101" pitchFamily="2" charset="-122"/>
+              </a:rPr>
+            </a:br>
+            <a:r>
+              <a:rPr lang="en-US" altLang="zh-CN" sz="1800" dirty="0">
+                <a:solidFill>
+                  <a:srgbClr val="080808"/>
+                </a:solidFill>
+                <a:effectLst/>
+                <a:latin typeface="JetBrains Mono"/>
+              </a:rPr>
+              <a:t>times=[</a:t>
+            </a:r>
+            <a:r>
+              <a:rPr lang="en-US" altLang="zh-CN" sz="1800" dirty="0">
+                <a:solidFill>
+                  <a:srgbClr val="1750EB"/>
+                </a:solidFill>
+                <a:effectLst/>
+                <a:latin typeface="JetBrains Mono"/>
+              </a:rPr>
+              <a:t>0.96</a:t>
+            </a:r>
+            <a:r>
+              <a:rPr lang="en-US" altLang="zh-CN" sz="1800" dirty="0">
+                <a:solidFill>
+                  <a:srgbClr val="080808"/>
+                </a:solidFill>
+                <a:effectLst/>
+                <a:latin typeface="JetBrains Mono"/>
+              </a:rPr>
+              <a:t>, </a:t>
+            </a:r>
+            <a:r>
+              <a:rPr lang="en-US" altLang="zh-CN" sz="1800" dirty="0">
+                <a:solidFill>
+                  <a:srgbClr val="1750EB"/>
+                </a:solidFill>
+                <a:effectLst/>
+                <a:latin typeface="JetBrains Mono"/>
+              </a:rPr>
+              <a:t>0.18</a:t>
+            </a:r>
+            <a:r>
+              <a:rPr lang="en-US" altLang="zh-CN" sz="1800" dirty="0">
+                <a:solidFill>
+                  <a:srgbClr val="080808"/>
+                </a:solidFill>
+                <a:effectLst/>
+                <a:latin typeface="JetBrains Mono"/>
+              </a:rPr>
+              <a:t>, </a:t>
+            </a:r>
+            <a:r>
+              <a:rPr lang="en-US" altLang="zh-CN" sz="1800" dirty="0">
+                <a:solidFill>
+                  <a:srgbClr val="1750EB"/>
+                </a:solidFill>
+                <a:effectLst/>
+                <a:latin typeface="JetBrains Mono"/>
+              </a:rPr>
+              <a:t>0.05</a:t>
+            </a:r>
+            <a:r>
+              <a:rPr lang="en-US" altLang="zh-CN" sz="1800" dirty="0">
+                <a:solidFill>
+                  <a:srgbClr val="080808"/>
+                </a:solidFill>
+                <a:effectLst/>
+                <a:latin typeface="JetBrains Mono"/>
+              </a:rPr>
+              <a:t>]</a:t>
+            </a:r>
+          </a:p>
+        </p:txBody>
+      </p:sp>
       <p:pic>
         <p:nvPicPr>
-          <p:cNvPr id="7" name="图片 6">
-            <a:extLst>
-              <a:ext uri="{FF2B5EF4-FFF2-40B4-BE49-F238E27FC236}">
-                <a16:creationId xmlns:a16="http://schemas.microsoft.com/office/drawing/2014/main" id="{F53BC287-43C6-7F94-563E-F5663A2D2CC8}"/>
+          <p:cNvPr id="3" name="图片 2">
+            <a:extLst>
+              <a:ext uri="{FF2B5EF4-FFF2-40B4-BE49-F238E27FC236}">
+                <a16:creationId xmlns:a16="http://schemas.microsoft.com/office/drawing/2014/main" id="{8D685A50-64D6-0261-60A2-024B0AC09F3E}"/>
               </a:ext>
             </a:extLst>
           </p:cNvPr>
@@ -4074,8 +4393,8 @@
         </p:blipFill>
         <p:spPr>
           <a:xfrm>
-            <a:off x="1349168" y="3654724"/>
-            <a:ext cx="4043687" cy="3032765"/>
+            <a:off x="479564" y="1581324"/>
+            <a:ext cx="5459767" cy="3899833"/>
           </a:xfrm>
           <a:prstGeom prst="rect">
             <a:avLst/>
@@ -4084,10 +4403,10 @@
       </p:pic>
       <p:pic>
         <p:nvPicPr>
-          <p:cNvPr id="14" name="图片 13">
-            <a:extLst>
-              <a:ext uri="{FF2B5EF4-FFF2-40B4-BE49-F238E27FC236}">
-                <a16:creationId xmlns:a16="http://schemas.microsoft.com/office/drawing/2014/main" id="{2C4296AA-1BAA-F2B5-E93C-C77201940E67}"/>
+          <p:cNvPr id="6" name="图片 5">
+            <a:extLst>
+              <a:ext uri="{FF2B5EF4-FFF2-40B4-BE49-F238E27FC236}">
+                <a16:creationId xmlns:a16="http://schemas.microsoft.com/office/drawing/2014/main" id="{25909116-E72A-19F0-9902-FE1D5CB7A031}"/>
               </a:ext>
             </a:extLst>
           </p:cNvPr>
@@ -4097,7 +4416,7 @@
           <p:nvPr/>
         </p:nvPicPr>
         <p:blipFill>
-          <a:blip r:embed="rId3">
+          <a:blip r:embed="rId2">
             <a:extLst>
               <a:ext uri="{28A0092B-C50C-407E-A947-70E740481C1C}">
                 <a14:useLocalDpi xmlns:a14="http://schemas.microsoft.com/office/drawing/2010/main" val="0"/>
@@ -4110,8 +4429,8 @@
         </p:blipFill>
         <p:spPr>
           <a:xfrm>
-            <a:off x="5885131" y="3654724"/>
-            <a:ext cx="4043687" cy="3032765"/>
+            <a:off x="479564" y="1581324"/>
+            <a:ext cx="5459767" cy="3899833"/>
           </a:xfrm>
           <a:prstGeom prst="rect">
             <a:avLst/>
@@ -4120,10 +4439,10 @@
       </p:pic>
       <p:pic>
         <p:nvPicPr>
-          <p:cNvPr id="10" name="图片 9">
-            <a:extLst>
-              <a:ext uri="{FF2B5EF4-FFF2-40B4-BE49-F238E27FC236}">
-                <a16:creationId xmlns:a16="http://schemas.microsoft.com/office/drawing/2014/main" id="{39ACE3A7-4498-8D8C-1901-A7CBE5B6A3AB}"/>
+          <p:cNvPr id="8" name="图片 7">
+            <a:extLst>
+              <a:ext uri="{FF2B5EF4-FFF2-40B4-BE49-F238E27FC236}">
+                <a16:creationId xmlns:a16="http://schemas.microsoft.com/office/drawing/2014/main" id="{002A09E6-3DCB-3343-B03E-BA7425FB3BBD}"/>
               </a:ext>
             </a:extLst>
           </p:cNvPr>
@@ -4133,7 +4452,7 @@
           <p:nvPr/>
         </p:nvPicPr>
         <p:blipFill>
-          <a:blip r:embed="rId4">
+          <a:blip r:embed="rId2">
             <a:extLst>
               <a:ext uri="{28A0092B-C50C-407E-A947-70E740481C1C}">
                 <a14:useLocalDpi xmlns:a14="http://schemas.microsoft.com/office/drawing/2010/main" val="0"/>
@@ -4146,120 +4465,18 @@
         </p:blipFill>
         <p:spPr>
           <a:xfrm>
-            <a:off x="5885131" y="944267"/>
-            <a:ext cx="4043687" cy="3032765"/>
+            <a:off x="5986944" y="1581325"/>
+            <a:ext cx="5459768" cy="3899834"/>
           </a:xfrm>
           <a:prstGeom prst="rect">
             <a:avLst/>
           </a:prstGeom>
         </p:spPr>
       </p:pic>
-      <p:pic>
-        <p:nvPicPr>
-          <p:cNvPr id="12" name="图片 11">
-            <a:extLst>
-              <a:ext uri="{FF2B5EF4-FFF2-40B4-BE49-F238E27FC236}">
-                <a16:creationId xmlns:a16="http://schemas.microsoft.com/office/drawing/2014/main" id="{1619043F-71EF-DAC8-19D3-DA5FFE6B8939}"/>
-              </a:ext>
-            </a:extLst>
-          </p:cNvPr>
-          <p:cNvPicPr>
-            <a:picLocks noChangeAspect="1"/>
-          </p:cNvPicPr>
-          <p:nvPr/>
-        </p:nvPicPr>
-        <p:blipFill>
-          <a:blip r:embed="rId5">
-            <a:extLst>
-              <a:ext uri="{28A0092B-C50C-407E-A947-70E740481C1C}">
-                <a14:useLocalDpi xmlns:a14="http://schemas.microsoft.com/office/drawing/2010/main" val="0"/>
-              </a:ext>
-            </a:extLst>
-          </a:blip>
-          <a:stretch>
-            <a:fillRect/>
-          </a:stretch>
-        </p:blipFill>
-        <p:spPr>
-          <a:xfrm>
-            <a:off x="1281703" y="944267"/>
-            <a:ext cx="3927122" cy="2945342"/>
-          </a:xfrm>
-          <a:prstGeom prst="rect">
-            <a:avLst/>
-          </a:prstGeom>
-        </p:spPr>
-      </p:pic>
-      <p:sp>
-        <p:nvSpPr>
-          <p:cNvPr id="3" name="文本框 2">
-            <a:extLst>
-              <a:ext uri="{FF2B5EF4-FFF2-40B4-BE49-F238E27FC236}">
-                <a16:creationId xmlns:a16="http://schemas.microsoft.com/office/drawing/2014/main" id="{7F4CD0FB-638D-62E0-D40A-75EFB2C41D89}"/>
-              </a:ext>
-            </a:extLst>
-          </p:cNvPr>
-          <p:cNvSpPr txBox="1"/>
-          <p:nvPr/>
-        </p:nvSpPr>
-        <p:spPr>
-          <a:xfrm>
-            <a:off x="425570" y="621102"/>
-            <a:ext cx="10597773" cy="646331"/>
-          </a:xfrm>
-          <a:prstGeom prst="rect">
-            <a:avLst/>
-          </a:prstGeom>
-          <a:noFill/>
-        </p:spPr>
-        <p:txBody>
-          <a:bodyPr wrap="none" rtlCol="0">
-            <a:spAutoFit/>
-          </a:bodyPr>
-          <a:lstStyle/>
-          <a:p>
-            <a:r>
-              <a:rPr lang="en-US" altLang="zh-CN" dirty="0"/>
-              <a:t>1</a:t>
-            </a:r>
-            <a:r>
-              <a:rPr lang="zh-CN" altLang="en-US" dirty="0"/>
-              <a:t>、无论</a:t>
-            </a:r>
-            <a:r>
-              <a:rPr lang="en-US" altLang="zh-CN" dirty="0" err="1"/>
-              <a:t>tls</a:t>
-            </a:r>
-            <a:r>
-              <a:rPr lang="zh-CN" altLang="en-US" dirty="0"/>
-              <a:t>还是</a:t>
-            </a:r>
-            <a:r>
-              <a:rPr lang="en-US" altLang="zh-CN" dirty="0"/>
-              <a:t>ls</a:t>
-            </a:r>
-            <a:r>
-              <a:rPr lang="zh-CN" altLang="en-US" dirty="0"/>
-              <a:t>：在第一个电池批次噪声最大的时候效果最好，在第三个电池批次噪声最大时效果最差</a:t>
-            </a:r>
-            <a:endParaRPr lang="en-US" altLang="zh-CN" dirty="0"/>
-          </a:p>
-          <a:p>
-            <a:r>
-              <a:rPr lang="en-US" altLang="zh-CN" dirty="0"/>
-              <a:t>2</a:t>
-            </a:r>
-            <a:r>
-              <a:rPr lang="zh-CN" altLang="en-US" dirty="0"/>
-              <a:t>、对于数据分割敏感（噪声比例随机）：</a:t>
-            </a:r>
-          </a:p>
-        </p:txBody>
-      </p:sp>
     </p:spTree>
     <p:extLst>
       <p:ext uri="{BB962C8B-B14F-4D97-AF65-F5344CB8AC3E}">
-        <p14:creationId xmlns:p14="http://schemas.microsoft.com/office/powerpoint/2010/main" val="1010095266"/>
+        <p14:creationId xmlns:p14="http://schemas.microsoft.com/office/powerpoint/2010/main" val="115426468"/>
       </p:ext>
     </p:extLst>
   </p:cSld>
@@ -4288,779 +4505,6 @@
       </p:grpSpPr>
       <p:sp>
         <p:nvSpPr>
-          <p:cNvPr id="4" name="文本框 3">
-            <a:extLst>
-              <a:ext uri="{FF2B5EF4-FFF2-40B4-BE49-F238E27FC236}">
-                <a16:creationId xmlns:a16="http://schemas.microsoft.com/office/drawing/2014/main" id="{E78BBAAE-A5CB-A77A-77A5-769A1B7BDF33}"/>
-              </a:ext>
-            </a:extLst>
-          </p:cNvPr>
-          <p:cNvSpPr txBox="1"/>
-          <p:nvPr/>
-        </p:nvSpPr>
-        <p:spPr>
-          <a:xfrm>
-            <a:off x="132272" y="109600"/>
-            <a:ext cx="10633494" cy="1754326"/>
-          </a:xfrm>
-          <a:prstGeom prst="rect">
-            <a:avLst/>
-          </a:prstGeom>
-          <a:noFill/>
-        </p:spPr>
-        <p:txBody>
-          <a:bodyPr wrap="square">
-            <a:spAutoFit/>
-          </a:bodyPr>
-          <a:lstStyle/>
-          <a:p>
-            <a:r>
-              <a:rPr lang="en-US" altLang="zh-CN" sz="1800" dirty="0">
-                <a:solidFill>
-                  <a:srgbClr val="080808"/>
-                </a:solidFill>
-                <a:effectLst/>
-                <a:latin typeface="JetBrains Mono"/>
-              </a:rPr>
-              <a:t>n = </a:t>
-            </a:r>
-            <a:r>
-              <a:rPr lang="en-US" altLang="zh-CN" sz="1800" dirty="0">
-                <a:solidFill>
-                  <a:srgbClr val="1750EB"/>
-                </a:solidFill>
-                <a:effectLst/>
-                <a:latin typeface="JetBrains Mono"/>
-              </a:rPr>
-              <a:t>20    </a:t>
-            </a:r>
-            <a:r>
-              <a:rPr lang="en-US" altLang="zh-CN" sz="1800" i="1" dirty="0">
-                <a:solidFill>
-                  <a:srgbClr val="8C8C8C"/>
-                </a:solidFill>
-                <a:effectLst/>
-                <a:latin typeface="JetBrains Mono"/>
-              </a:rPr>
-              <a:t># </a:t>
-            </a:r>
-            <a:r>
-              <a:rPr lang="zh-CN" altLang="en-US" sz="1800" i="1" dirty="0">
-                <a:solidFill>
-                  <a:srgbClr val="8C8C8C"/>
-                </a:solidFill>
-                <a:effectLst/>
-                <a:latin typeface="宋体" panose="02010600030101010101" pitchFamily="2" charset="-122"/>
-                <a:ea typeface="宋体" panose="02010600030101010101" pitchFamily="2" charset="-122"/>
-              </a:rPr>
-              <a:t>最大噪声水平</a:t>
-            </a:r>
-            <a:br>
-              <a:rPr lang="en-US" altLang="zh-CN" sz="1800" i="1" dirty="0">
-                <a:solidFill>
-                  <a:srgbClr val="8C8C8C"/>
-                </a:solidFill>
-                <a:effectLst/>
-                <a:latin typeface="JetBrains Mono"/>
-              </a:rPr>
-            </a:br>
-            <a:r>
-              <a:rPr lang="en-US" altLang="zh-CN" sz="1800" dirty="0">
-                <a:solidFill>
-                  <a:srgbClr val="080808"/>
-                </a:solidFill>
-                <a:effectLst/>
-                <a:latin typeface="JetBrains Mono"/>
-              </a:rPr>
-              <a:t>s = </a:t>
-            </a:r>
-            <a:r>
-              <a:rPr lang="en-US" altLang="zh-CN" sz="1800" dirty="0">
-                <a:solidFill>
-                  <a:srgbClr val="1750EB"/>
-                </a:solidFill>
-                <a:effectLst/>
-                <a:latin typeface="JetBrains Mono"/>
-              </a:rPr>
-              <a:t>50   </a:t>
-            </a:r>
-            <a:r>
-              <a:rPr lang="en-US" altLang="zh-CN" sz="1800" i="1" dirty="0">
-                <a:solidFill>
-                  <a:srgbClr val="8C8C8C"/>
-                </a:solidFill>
-                <a:effectLst/>
-                <a:latin typeface="JetBrains Mono"/>
-              </a:rPr>
-              <a:t># </a:t>
-            </a:r>
-            <a:r>
-              <a:rPr lang="zh-CN" altLang="en-US" sz="1800" i="1" dirty="0">
-                <a:solidFill>
-                  <a:srgbClr val="8C8C8C"/>
-                </a:solidFill>
-                <a:effectLst/>
-                <a:latin typeface="宋体" panose="02010600030101010101" pitchFamily="2" charset="-122"/>
-                <a:ea typeface="宋体" panose="02010600030101010101" pitchFamily="2" charset="-122"/>
-              </a:rPr>
-              <a:t>分割数据的次数（对数据进行随机排序的次数）</a:t>
-            </a:r>
-            <a:br>
-              <a:rPr lang="zh-CN" altLang="en-US" sz="1800" i="1" dirty="0">
-                <a:solidFill>
-                  <a:srgbClr val="8C8C8C"/>
-                </a:solidFill>
-                <a:effectLst/>
-                <a:latin typeface="宋体" panose="02010600030101010101" pitchFamily="2" charset="-122"/>
-                <a:ea typeface="宋体" panose="02010600030101010101" pitchFamily="2" charset="-122"/>
-              </a:rPr>
-            </a:br>
-            <a:r>
-              <a:rPr lang="en-US" altLang="zh-CN" sz="1800" dirty="0">
-                <a:solidFill>
-                  <a:srgbClr val="080808"/>
-                </a:solidFill>
-                <a:effectLst/>
-                <a:latin typeface="JetBrains Mono"/>
-              </a:rPr>
-              <a:t>m = </a:t>
-            </a:r>
-            <a:r>
-              <a:rPr lang="en-US" altLang="zh-CN" sz="1800" dirty="0">
-                <a:solidFill>
-                  <a:srgbClr val="1750EB"/>
-                </a:solidFill>
-                <a:effectLst/>
-                <a:latin typeface="JetBrains Mono"/>
-              </a:rPr>
-              <a:t>20    </a:t>
-            </a:r>
-            <a:r>
-              <a:rPr lang="en-US" altLang="zh-CN" sz="1800" i="1" dirty="0">
-                <a:solidFill>
-                  <a:srgbClr val="8C8C8C"/>
-                </a:solidFill>
-                <a:effectLst/>
-                <a:latin typeface="JetBrains Mono"/>
-              </a:rPr>
-              <a:t># </a:t>
-            </a:r>
-            <a:r>
-              <a:rPr lang="zh-CN" altLang="en-US" sz="1800" i="1" dirty="0">
-                <a:solidFill>
-                  <a:srgbClr val="8C8C8C"/>
-                </a:solidFill>
-                <a:effectLst/>
-                <a:latin typeface="宋体" panose="02010600030101010101" pitchFamily="2" charset="-122"/>
-                <a:ea typeface="宋体" panose="02010600030101010101" pitchFamily="2" charset="-122"/>
-              </a:rPr>
-              <a:t>对于每次分割得到的训练集，生成</a:t>
-            </a:r>
-            <a:r>
-              <a:rPr lang="en-US" altLang="zh-CN" sz="1800" i="1" dirty="0">
-                <a:solidFill>
-                  <a:srgbClr val="8C8C8C"/>
-                </a:solidFill>
-                <a:effectLst/>
-                <a:latin typeface="JetBrains Mono"/>
-              </a:rPr>
-              <a:t>m</a:t>
-            </a:r>
-            <a:r>
-              <a:rPr lang="zh-CN" altLang="en-US" sz="1800" i="1" dirty="0">
-                <a:solidFill>
-                  <a:srgbClr val="8C8C8C"/>
-                </a:solidFill>
-                <a:effectLst/>
-                <a:latin typeface="宋体" panose="02010600030101010101" pitchFamily="2" charset="-122"/>
-                <a:ea typeface="宋体" panose="02010600030101010101" pitchFamily="2" charset="-122"/>
-              </a:rPr>
-              <a:t>次噪声</a:t>
-            </a:r>
-            <a:br>
-              <a:rPr lang="zh-CN" altLang="en-US" sz="1800" i="1" dirty="0">
-                <a:solidFill>
-                  <a:srgbClr val="8C8C8C"/>
-                </a:solidFill>
-                <a:effectLst/>
-                <a:latin typeface="宋体" panose="02010600030101010101" pitchFamily="2" charset="-122"/>
-                <a:ea typeface="宋体" panose="02010600030101010101" pitchFamily="2" charset="-122"/>
-              </a:rPr>
-            </a:br>
-            <a:r>
-              <a:rPr lang="en-US" altLang="zh-CN" sz="1800" dirty="0">
-                <a:solidFill>
-                  <a:srgbClr val="080808"/>
-                </a:solidFill>
-                <a:effectLst/>
-                <a:latin typeface="JetBrains Mono"/>
-              </a:rPr>
-              <a:t>w = </a:t>
-            </a:r>
-            <a:r>
-              <a:rPr lang="en-US" altLang="zh-CN" sz="1800" dirty="0">
-                <a:solidFill>
-                  <a:srgbClr val="1750EB"/>
-                </a:solidFill>
-                <a:effectLst/>
-                <a:latin typeface="JetBrains Mono"/>
-              </a:rPr>
-              <a:t>6  </a:t>
-            </a:r>
-            <a:r>
-              <a:rPr lang="en-US" altLang="zh-CN" sz="1800" i="1" dirty="0">
-                <a:solidFill>
-                  <a:srgbClr val="8C8C8C"/>
-                </a:solidFill>
-                <a:effectLst/>
-                <a:latin typeface="JetBrains Mono"/>
-              </a:rPr>
-              <a:t>#</a:t>
-            </a:r>
-            <a:r>
-              <a:rPr lang="zh-CN" altLang="en-US" sz="1800" i="1" dirty="0">
-                <a:solidFill>
-                  <a:srgbClr val="8C8C8C"/>
-                </a:solidFill>
-                <a:effectLst/>
-                <a:latin typeface="宋体" panose="02010600030101010101" pitchFamily="2" charset="-122"/>
-                <a:ea typeface="宋体" panose="02010600030101010101" pitchFamily="2" charset="-122"/>
-              </a:rPr>
-              <a:t>噪声比例</a:t>
-            </a:r>
-            <a:endParaRPr lang="en-US" altLang="zh-CN" sz="1800" i="1" dirty="0">
-              <a:solidFill>
-                <a:srgbClr val="8C8C8C"/>
-              </a:solidFill>
-              <a:effectLst/>
-              <a:latin typeface="宋体" panose="02010600030101010101" pitchFamily="2" charset="-122"/>
-              <a:ea typeface="宋体" panose="02010600030101010101" pitchFamily="2" charset="-122"/>
-            </a:endParaRPr>
-          </a:p>
-          <a:p>
-            <a:r>
-              <a:rPr lang="en-US" altLang="zh-CN" sz="1800" dirty="0" err="1">
-                <a:solidFill>
-                  <a:srgbClr val="080808"/>
-                </a:solidFill>
-                <a:effectLst/>
-                <a:latin typeface="JetBrains Mono"/>
-              </a:rPr>
-              <a:t>times_list</a:t>
-            </a:r>
-            <a:r>
-              <a:rPr lang="en-US" altLang="zh-CN" sz="1800" dirty="0">
-                <a:solidFill>
-                  <a:srgbClr val="080808"/>
-                </a:solidFill>
-                <a:effectLst/>
-                <a:latin typeface="JetBrains Mono"/>
-              </a:rPr>
-              <a:t> = [[</a:t>
-            </a:r>
-            <a:r>
-              <a:rPr lang="en-US" altLang="zh-CN" sz="1800" dirty="0">
-                <a:solidFill>
-                  <a:srgbClr val="1750EB"/>
-                </a:solidFill>
-                <a:effectLst/>
-                <a:latin typeface="JetBrains Mono"/>
-              </a:rPr>
-              <a:t>1</a:t>
-            </a:r>
-            <a:r>
-              <a:rPr lang="en-US" altLang="zh-CN" sz="1800" dirty="0">
-                <a:solidFill>
-                  <a:srgbClr val="080808"/>
-                </a:solidFill>
-                <a:effectLst/>
-                <a:latin typeface="JetBrains Mono"/>
-              </a:rPr>
-              <a:t>, </a:t>
-            </a:r>
-            <a:r>
-              <a:rPr lang="en-US" altLang="zh-CN" sz="1800" dirty="0">
-                <a:solidFill>
-                  <a:srgbClr val="1750EB"/>
-                </a:solidFill>
-                <a:effectLst/>
-                <a:latin typeface="JetBrains Mono"/>
-              </a:rPr>
-              <a:t>0.1</a:t>
-            </a:r>
-            <a:r>
-              <a:rPr lang="en-US" altLang="zh-CN" sz="1800" dirty="0">
-                <a:solidFill>
-                  <a:srgbClr val="080808"/>
-                </a:solidFill>
-                <a:effectLst/>
-                <a:latin typeface="JetBrains Mono"/>
-              </a:rPr>
-              <a:t>, </a:t>
-            </a:r>
-            <a:r>
-              <a:rPr lang="en-US" altLang="zh-CN" sz="1800" dirty="0">
-                <a:solidFill>
-                  <a:srgbClr val="1750EB"/>
-                </a:solidFill>
-                <a:effectLst/>
-                <a:latin typeface="JetBrains Mono"/>
-              </a:rPr>
-              <a:t>0.02</a:t>
-            </a:r>
-            <a:r>
-              <a:rPr lang="en-US" altLang="zh-CN" sz="1800" dirty="0">
-                <a:solidFill>
-                  <a:srgbClr val="080808"/>
-                </a:solidFill>
-                <a:effectLst/>
-                <a:latin typeface="JetBrains Mono"/>
-              </a:rPr>
-              <a:t>], [</a:t>
-            </a:r>
-            <a:r>
-              <a:rPr lang="en-US" altLang="zh-CN" sz="1800" dirty="0">
-                <a:solidFill>
-                  <a:srgbClr val="1750EB"/>
-                </a:solidFill>
-                <a:effectLst/>
-                <a:latin typeface="JetBrains Mono"/>
-              </a:rPr>
-              <a:t>1</a:t>
-            </a:r>
-            <a:r>
-              <a:rPr lang="en-US" altLang="zh-CN" sz="1800" dirty="0">
-                <a:solidFill>
-                  <a:srgbClr val="080808"/>
-                </a:solidFill>
-                <a:effectLst/>
-                <a:latin typeface="JetBrains Mono"/>
-              </a:rPr>
-              <a:t>, </a:t>
-            </a:r>
-            <a:r>
-              <a:rPr lang="en-US" altLang="zh-CN" sz="1800" dirty="0">
-                <a:solidFill>
-                  <a:srgbClr val="1750EB"/>
-                </a:solidFill>
-                <a:effectLst/>
-                <a:latin typeface="JetBrains Mono"/>
-              </a:rPr>
-              <a:t>0.09</a:t>
-            </a:r>
-            <a:r>
-              <a:rPr lang="en-US" altLang="zh-CN" sz="1800" dirty="0">
-                <a:solidFill>
-                  <a:srgbClr val="080808"/>
-                </a:solidFill>
-                <a:effectLst/>
-                <a:latin typeface="JetBrains Mono"/>
-              </a:rPr>
-              <a:t>, </a:t>
-            </a:r>
-            <a:r>
-              <a:rPr lang="en-US" altLang="zh-CN" sz="1800" dirty="0">
-                <a:solidFill>
-                  <a:srgbClr val="1750EB"/>
-                </a:solidFill>
-                <a:effectLst/>
-                <a:latin typeface="JetBrains Mono"/>
-              </a:rPr>
-              <a:t>0.1</a:t>
-            </a:r>
-            <a:r>
-              <a:rPr lang="en-US" altLang="zh-CN" sz="1800" dirty="0">
-                <a:solidFill>
-                  <a:srgbClr val="080808"/>
-                </a:solidFill>
-                <a:effectLst/>
-                <a:latin typeface="JetBrains Mono"/>
-              </a:rPr>
-              <a:t>],[</a:t>
-            </a:r>
-            <a:r>
-              <a:rPr lang="en-US" altLang="zh-CN" sz="1800" dirty="0">
-                <a:solidFill>
-                  <a:srgbClr val="1750EB"/>
-                </a:solidFill>
-                <a:effectLst/>
-                <a:latin typeface="JetBrains Mono"/>
-              </a:rPr>
-              <a:t>1</a:t>
-            </a:r>
-            <a:r>
-              <a:rPr lang="en-US" altLang="zh-CN" sz="1800" dirty="0">
-                <a:solidFill>
-                  <a:srgbClr val="080808"/>
-                </a:solidFill>
-                <a:effectLst/>
-                <a:latin typeface="JetBrains Mono"/>
-              </a:rPr>
-              <a:t>, </a:t>
-            </a:r>
-            <a:r>
-              <a:rPr lang="en-US" altLang="zh-CN" sz="1800" dirty="0">
-                <a:solidFill>
-                  <a:srgbClr val="1750EB"/>
-                </a:solidFill>
-                <a:effectLst/>
-                <a:latin typeface="JetBrains Mono"/>
-              </a:rPr>
-              <a:t>0.18</a:t>
-            </a:r>
-            <a:r>
-              <a:rPr lang="en-US" altLang="zh-CN" sz="1800" dirty="0">
-                <a:solidFill>
-                  <a:srgbClr val="080808"/>
-                </a:solidFill>
-                <a:effectLst/>
-                <a:latin typeface="JetBrains Mono"/>
-              </a:rPr>
-              <a:t>, </a:t>
-            </a:r>
-            <a:r>
-              <a:rPr lang="en-US" altLang="zh-CN" sz="1800" dirty="0">
-                <a:solidFill>
-                  <a:srgbClr val="1750EB"/>
-                </a:solidFill>
-                <a:effectLst/>
-                <a:latin typeface="JetBrains Mono"/>
-              </a:rPr>
-              <a:t>0.09</a:t>
-            </a:r>
-            <a:r>
-              <a:rPr lang="en-US" altLang="zh-CN" sz="1800" dirty="0">
-                <a:solidFill>
-                  <a:srgbClr val="080808"/>
-                </a:solidFill>
-                <a:effectLst/>
-                <a:latin typeface="JetBrains Mono"/>
-              </a:rPr>
-              <a:t>], [</a:t>
-            </a:r>
-            <a:r>
-              <a:rPr lang="en-US" altLang="zh-CN" sz="1800" dirty="0">
-                <a:solidFill>
-                  <a:srgbClr val="1750EB"/>
-                </a:solidFill>
-                <a:effectLst/>
-                <a:latin typeface="JetBrains Mono"/>
-              </a:rPr>
-              <a:t>0.9</a:t>
-            </a:r>
-            <a:r>
-              <a:rPr lang="en-US" altLang="zh-CN" sz="1800" dirty="0">
-                <a:solidFill>
-                  <a:srgbClr val="080808"/>
-                </a:solidFill>
-                <a:effectLst/>
-                <a:latin typeface="JetBrains Mono"/>
-              </a:rPr>
-              <a:t>,</a:t>
-            </a:r>
-            <a:r>
-              <a:rPr lang="en-US" altLang="zh-CN" sz="1800" dirty="0">
-                <a:solidFill>
-                  <a:srgbClr val="1750EB"/>
-                </a:solidFill>
-                <a:effectLst/>
-                <a:latin typeface="JetBrains Mono"/>
-              </a:rPr>
-              <a:t>0.1 </a:t>
-            </a:r>
-            <a:r>
-              <a:rPr lang="en-US" altLang="zh-CN" sz="1800" dirty="0">
-                <a:solidFill>
-                  <a:srgbClr val="080808"/>
-                </a:solidFill>
-                <a:effectLst/>
-                <a:latin typeface="JetBrains Mono"/>
-              </a:rPr>
-              <a:t>, </a:t>
-            </a:r>
-            <a:r>
-              <a:rPr lang="en-US" altLang="zh-CN" sz="1800" dirty="0">
-                <a:solidFill>
-                  <a:srgbClr val="1750EB"/>
-                </a:solidFill>
-                <a:effectLst/>
-                <a:latin typeface="JetBrains Mono"/>
-              </a:rPr>
-              <a:t>0.45</a:t>
-            </a:r>
-            <a:r>
-              <a:rPr lang="en-US" altLang="zh-CN" sz="1800" dirty="0">
-                <a:solidFill>
-                  <a:srgbClr val="080808"/>
-                </a:solidFill>
-                <a:effectLst/>
-                <a:latin typeface="JetBrains Mono"/>
-              </a:rPr>
-              <a:t>],[</a:t>
-            </a:r>
-            <a:r>
-              <a:rPr lang="en-US" altLang="zh-CN" sz="1800" dirty="0">
-                <a:solidFill>
-                  <a:srgbClr val="1750EB"/>
-                </a:solidFill>
-                <a:effectLst/>
-                <a:latin typeface="JetBrains Mono"/>
-              </a:rPr>
-              <a:t>0.8</a:t>
-            </a:r>
-            <a:r>
-              <a:rPr lang="en-US" altLang="zh-CN" sz="1800" dirty="0">
-                <a:solidFill>
-                  <a:srgbClr val="080808"/>
-                </a:solidFill>
-                <a:effectLst/>
-                <a:latin typeface="JetBrains Mono"/>
-              </a:rPr>
-              <a:t>, </a:t>
-            </a:r>
-            <a:r>
-              <a:rPr lang="en-US" altLang="zh-CN" sz="1800" dirty="0">
-                <a:solidFill>
-                  <a:srgbClr val="1750EB"/>
-                </a:solidFill>
-                <a:effectLst/>
-                <a:latin typeface="JetBrains Mono"/>
-              </a:rPr>
-              <a:t>0.1</a:t>
-            </a:r>
-            <a:r>
-              <a:rPr lang="en-US" altLang="zh-CN" sz="1800" dirty="0">
-                <a:solidFill>
-                  <a:srgbClr val="080808"/>
-                </a:solidFill>
-                <a:effectLst/>
-                <a:latin typeface="JetBrains Mono"/>
-              </a:rPr>
-              <a:t>, </a:t>
-            </a:r>
-            <a:r>
-              <a:rPr lang="en-US" altLang="zh-CN" sz="1800" dirty="0">
-                <a:solidFill>
-                  <a:srgbClr val="1750EB"/>
-                </a:solidFill>
-                <a:effectLst/>
-                <a:latin typeface="JetBrains Mono"/>
-              </a:rPr>
-              <a:t>0.05</a:t>
-            </a:r>
-            <a:r>
-              <a:rPr lang="en-US" altLang="zh-CN" sz="1800" dirty="0">
-                <a:solidFill>
-                  <a:srgbClr val="080808"/>
-                </a:solidFill>
-                <a:effectLst/>
-                <a:latin typeface="JetBrains Mono"/>
-              </a:rPr>
-              <a:t>], [</a:t>
-            </a:r>
-            <a:r>
-              <a:rPr lang="en-US" altLang="zh-CN" sz="1800" dirty="0">
-                <a:solidFill>
-                  <a:srgbClr val="1750EB"/>
-                </a:solidFill>
-                <a:effectLst/>
-                <a:latin typeface="JetBrains Mono"/>
-              </a:rPr>
-              <a:t>0.93</a:t>
-            </a:r>
-            <a:r>
-              <a:rPr lang="en-US" altLang="zh-CN" sz="1800" dirty="0">
-                <a:solidFill>
-                  <a:srgbClr val="080808"/>
-                </a:solidFill>
-                <a:effectLst/>
-                <a:latin typeface="JetBrains Mono"/>
-              </a:rPr>
-              <a:t>, </a:t>
-            </a:r>
-            <a:r>
-              <a:rPr lang="en-US" altLang="zh-CN" sz="1800" dirty="0">
-                <a:solidFill>
-                  <a:srgbClr val="1750EB"/>
-                </a:solidFill>
-                <a:effectLst/>
-                <a:latin typeface="JetBrains Mono"/>
-              </a:rPr>
-              <a:t>0.06</a:t>
-            </a:r>
-            <a:r>
-              <a:rPr lang="en-US" altLang="zh-CN" sz="1800" dirty="0">
-                <a:solidFill>
-                  <a:srgbClr val="080808"/>
-                </a:solidFill>
-                <a:effectLst/>
-                <a:latin typeface="JetBrains Mono"/>
-              </a:rPr>
-              <a:t>, </a:t>
-            </a:r>
-            <a:r>
-              <a:rPr lang="en-US" altLang="zh-CN" sz="1800" dirty="0">
-                <a:solidFill>
-                  <a:srgbClr val="1750EB"/>
-                </a:solidFill>
-                <a:effectLst/>
-                <a:latin typeface="JetBrains Mono"/>
-              </a:rPr>
-              <a:t>0.1</a:t>
-            </a:r>
-            <a:r>
-              <a:rPr lang="en-US" altLang="zh-CN" sz="1800" dirty="0">
-                <a:solidFill>
-                  <a:srgbClr val="080808"/>
-                </a:solidFill>
-                <a:effectLst/>
-                <a:latin typeface="JetBrains Mono"/>
-              </a:rPr>
-              <a:t>]]</a:t>
-            </a:r>
-            <a:r>
-              <a:rPr lang="en-US" altLang="zh-CN" sz="1800" i="1" dirty="0">
-                <a:solidFill>
-                  <a:srgbClr val="8C8C8C"/>
-                </a:solidFill>
-                <a:effectLst/>
-                <a:latin typeface="JetBrains Mono"/>
-              </a:rPr>
-              <a:t> #</a:t>
-            </a:r>
-            <a:r>
-              <a:rPr lang="zh-CN" altLang="en-US" i="1" dirty="0">
-                <a:solidFill>
-                  <a:srgbClr val="8C8C8C"/>
-                </a:solidFill>
-                <a:latin typeface="宋体" panose="02010600030101010101" pitchFamily="2" charset="-122"/>
-                <a:ea typeface="宋体" panose="02010600030101010101" pitchFamily="2" charset="-122"/>
-              </a:rPr>
-              <a:t>随机</a:t>
-            </a:r>
-            <a:endParaRPr lang="en-US" altLang="zh-CN" i="1" dirty="0">
-              <a:solidFill>
-                <a:srgbClr val="8C8C8C"/>
-              </a:solidFill>
-              <a:latin typeface="宋体" panose="02010600030101010101" pitchFamily="2" charset="-122"/>
-              <a:ea typeface="宋体" panose="02010600030101010101" pitchFamily="2" charset="-122"/>
-            </a:endParaRPr>
-          </a:p>
-          <a:p>
-            <a:endParaRPr lang="en-US" altLang="zh-CN" sz="1800" dirty="0">
-              <a:solidFill>
-                <a:srgbClr val="080808"/>
-              </a:solidFill>
-              <a:effectLst/>
-              <a:latin typeface="JetBrains Mono"/>
-            </a:endParaRPr>
-          </a:p>
-        </p:txBody>
-      </p:sp>
-      <p:pic>
-        <p:nvPicPr>
-          <p:cNvPr id="7" name="图片 6">
-            <a:extLst>
-              <a:ext uri="{FF2B5EF4-FFF2-40B4-BE49-F238E27FC236}">
-                <a16:creationId xmlns:a16="http://schemas.microsoft.com/office/drawing/2014/main" id="{D9CC5937-2D88-3477-C0EC-B3B61C66FB65}"/>
-              </a:ext>
-            </a:extLst>
-          </p:cNvPr>
-          <p:cNvPicPr>
-            <a:picLocks noChangeAspect="1"/>
-          </p:cNvPicPr>
-          <p:nvPr/>
-        </p:nvPicPr>
-        <p:blipFill>
-          <a:blip r:embed="rId2">
-            <a:extLst>
-              <a:ext uri="{28A0092B-C50C-407E-A947-70E740481C1C}">
-                <a14:useLocalDpi xmlns:a14="http://schemas.microsoft.com/office/drawing/2010/main" val="0"/>
-              </a:ext>
-            </a:extLst>
-          </a:blip>
-          <a:stretch>
-            <a:fillRect/>
-          </a:stretch>
-        </p:blipFill>
-        <p:spPr>
-          <a:xfrm>
-            <a:off x="157565" y="1944439"/>
-            <a:ext cx="5852172" cy="4389129"/>
-          </a:xfrm>
-          <a:prstGeom prst="rect">
-            <a:avLst/>
-          </a:prstGeom>
-        </p:spPr>
-      </p:pic>
-      <p:pic>
-        <p:nvPicPr>
-          <p:cNvPr id="10" name="图片 9">
-            <a:extLst>
-              <a:ext uri="{FF2B5EF4-FFF2-40B4-BE49-F238E27FC236}">
-                <a16:creationId xmlns:a16="http://schemas.microsoft.com/office/drawing/2014/main" id="{609C8181-E8BD-8E86-6B36-15C174DBABDC}"/>
-              </a:ext>
-            </a:extLst>
-          </p:cNvPr>
-          <p:cNvPicPr>
-            <a:picLocks noChangeAspect="1"/>
-          </p:cNvPicPr>
-          <p:nvPr/>
-        </p:nvPicPr>
-        <p:blipFill>
-          <a:blip r:embed="rId3">
-            <a:extLst>
-              <a:ext uri="{28A0092B-C50C-407E-A947-70E740481C1C}">
-                <a14:useLocalDpi xmlns:a14="http://schemas.microsoft.com/office/drawing/2010/main" val="0"/>
-              </a:ext>
-            </a:extLst>
-          </a:blip>
-          <a:stretch>
-            <a:fillRect/>
-          </a:stretch>
-        </p:blipFill>
-        <p:spPr>
-          <a:xfrm>
-            <a:off x="6182264" y="1944439"/>
-            <a:ext cx="5852172" cy="4389129"/>
-          </a:xfrm>
-          <a:prstGeom prst="rect">
-            <a:avLst/>
-          </a:prstGeom>
-        </p:spPr>
-      </p:pic>
-    </p:spTree>
-    <p:extLst>
-      <p:ext uri="{BB962C8B-B14F-4D97-AF65-F5344CB8AC3E}">
-        <p14:creationId xmlns:p14="http://schemas.microsoft.com/office/powerpoint/2010/main" val="1881181459"/>
-      </p:ext>
-    </p:extLst>
-  </p:cSld>
-  <p:clrMapOvr>
-    <a:masterClrMapping/>
-  </p:clrMapOvr>
-</p:sld>
-</file>
-
-<file path=ppt/slides/slide5.xml><?xml version="1.0" encoding="utf-8"?>
-<p:sld xmlns:a="http://schemas.openxmlformats.org/drawingml/2006/main" xmlns:r="http://schemas.openxmlformats.org/officeDocument/2006/relationships" xmlns:p="http://schemas.openxmlformats.org/presentationml/2006/main">
-  <p:cSld>
-    <p:spTree>
-      <p:nvGrpSpPr>
-        <p:cNvPr id="1" name=""/>
-        <p:cNvGrpSpPr/>
-        <p:nvPr/>
-      </p:nvGrpSpPr>
-      <p:grpSpPr>
-        <a:xfrm>
-          <a:off x="0" y="0"/>
-          <a:ext cx="0" cy="0"/>
-          <a:chOff x="0" y="0"/>
-          <a:chExt cx="0" cy="0"/>
-        </a:xfrm>
-      </p:grpSpPr>
-      <p:sp>
-        <p:nvSpPr>
           <p:cNvPr id="3" name="文本框 2">
             <a:extLst>
               <a:ext uri="{FF2B5EF4-FFF2-40B4-BE49-F238E27FC236}">
@@ -5401,209 +4845,6 @@
     <p:extLst>
       <p:ext uri="{BB962C8B-B14F-4D97-AF65-F5344CB8AC3E}">
         <p14:creationId xmlns:p14="http://schemas.microsoft.com/office/powerpoint/2010/main" val="2469082131"/>
-      </p:ext>
-    </p:extLst>
-  </p:cSld>
-  <p:clrMapOvr>
-    <a:masterClrMapping/>
-  </p:clrMapOvr>
-</p:sld>
-</file>
-
-<file path=ppt/slides/slide6.xml><?xml version="1.0" encoding="utf-8"?>
-<p:sld xmlns:a="http://schemas.openxmlformats.org/drawingml/2006/main" xmlns:r="http://schemas.openxmlformats.org/officeDocument/2006/relationships" xmlns:p="http://schemas.openxmlformats.org/presentationml/2006/main">
-  <p:cSld>
-    <p:spTree>
-      <p:nvGrpSpPr>
-        <p:cNvPr id="1" name=""/>
-        <p:cNvGrpSpPr/>
-        <p:nvPr/>
-      </p:nvGrpSpPr>
-      <p:grpSpPr>
-        <a:xfrm>
-          <a:off x="0" y="0"/>
-          <a:ext cx="0" cy="0"/>
-          <a:chOff x="0" y="0"/>
-          <a:chExt cx="0" cy="0"/>
-        </a:xfrm>
-      </p:grpSpPr>
-      <p:sp>
-        <p:nvSpPr>
-          <p:cNvPr id="2" name="文本框 1">
-            <a:extLst>
-              <a:ext uri="{FF2B5EF4-FFF2-40B4-BE49-F238E27FC236}">
-                <a16:creationId xmlns:a16="http://schemas.microsoft.com/office/drawing/2014/main" id="{5CA20D84-9E24-D4E9-F112-BECD96E8AFC4}"/>
-              </a:ext>
-            </a:extLst>
-          </p:cNvPr>
-          <p:cNvSpPr txBox="1"/>
-          <p:nvPr/>
-        </p:nvSpPr>
-        <p:spPr>
-          <a:xfrm>
-            <a:off x="736121" y="621102"/>
-            <a:ext cx="1685077" cy="923330"/>
-          </a:xfrm>
-          <a:prstGeom prst="rect">
-            <a:avLst/>
-          </a:prstGeom>
-          <a:noFill/>
-        </p:spPr>
-        <p:txBody>
-          <a:bodyPr wrap="none" rtlCol="0">
-            <a:spAutoFit/>
-          </a:bodyPr>
-          <a:lstStyle/>
-          <a:p>
-            <a:r>
-              <a:rPr lang="en-US" altLang="zh-CN" dirty="0"/>
-              <a:t>LS</a:t>
-            </a:r>
-            <a:r>
-              <a:rPr lang="zh-CN" altLang="en-US" dirty="0"/>
-              <a:t>：</a:t>
-            </a:r>
-            <a:r>
-              <a:rPr lang="en-US" altLang="zh-CN" dirty="0"/>
-              <a:t>10,10,6</a:t>
-            </a:r>
-          </a:p>
-          <a:p>
-            <a:endParaRPr lang="en-US" altLang="zh-CN" dirty="0"/>
-          </a:p>
-          <a:p>
-            <a:r>
-              <a:rPr lang="en-US" altLang="zh-CN" dirty="0"/>
-              <a:t>0.32   0.35 0.38</a:t>
-            </a:r>
-            <a:endParaRPr lang="zh-CN" altLang="en-US" dirty="0"/>
-          </a:p>
-        </p:txBody>
-      </p:sp>
-      <p:pic>
-        <p:nvPicPr>
-          <p:cNvPr id="5" name="图片 4">
-            <a:extLst>
-              <a:ext uri="{FF2B5EF4-FFF2-40B4-BE49-F238E27FC236}">
-                <a16:creationId xmlns:a16="http://schemas.microsoft.com/office/drawing/2014/main" id="{70320D6E-F7D6-78FB-F07A-241997F2F4FE}"/>
-              </a:ext>
-            </a:extLst>
-          </p:cNvPr>
-          <p:cNvPicPr>
-            <a:picLocks noChangeAspect="1"/>
-          </p:cNvPicPr>
-          <p:nvPr/>
-        </p:nvPicPr>
-        <p:blipFill>
-          <a:blip r:embed="rId2"/>
-          <a:stretch>
-            <a:fillRect/>
-          </a:stretch>
-        </p:blipFill>
-        <p:spPr>
-          <a:xfrm>
-            <a:off x="212847" y="1886309"/>
-            <a:ext cx="3269319" cy="2748232"/>
-          </a:xfrm>
-          <a:prstGeom prst="rect">
-            <a:avLst/>
-          </a:prstGeom>
-        </p:spPr>
-      </p:pic>
-      <p:pic>
-        <p:nvPicPr>
-          <p:cNvPr id="7" name="图片 6">
-            <a:extLst>
-              <a:ext uri="{FF2B5EF4-FFF2-40B4-BE49-F238E27FC236}">
-                <a16:creationId xmlns:a16="http://schemas.microsoft.com/office/drawing/2014/main" id="{D46585D7-C2A6-6C69-FB01-13898F2002C7}"/>
-              </a:ext>
-            </a:extLst>
-          </p:cNvPr>
-          <p:cNvPicPr>
-            <a:picLocks noChangeAspect="1"/>
-          </p:cNvPicPr>
-          <p:nvPr/>
-        </p:nvPicPr>
-        <p:blipFill>
-          <a:blip r:embed="rId3"/>
-          <a:stretch>
-            <a:fillRect/>
-          </a:stretch>
-        </p:blipFill>
-        <p:spPr>
-          <a:xfrm>
-            <a:off x="3584090" y="1845465"/>
-            <a:ext cx="3412053" cy="2868217"/>
-          </a:xfrm>
-          <a:prstGeom prst="rect">
-            <a:avLst/>
-          </a:prstGeom>
-        </p:spPr>
-      </p:pic>
-      <p:pic>
-        <p:nvPicPr>
-          <p:cNvPr id="9" name="图片 8">
-            <a:extLst>
-              <a:ext uri="{FF2B5EF4-FFF2-40B4-BE49-F238E27FC236}">
-                <a16:creationId xmlns:a16="http://schemas.microsoft.com/office/drawing/2014/main" id="{8DBFAFB6-7501-1025-8A49-9D1586091099}"/>
-              </a:ext>
-            </a:extLst>
-          </p:cNvPr>
-          <p:cNvPicPr>
-            <a:picLocks noChangeAspect="1"/>
-          </p:cNvPicPr>
-          <p:nvPr/>
-        </p:nvPicPr>
-        <p:blipFill>
-          <a:blip r:embed="rId4"/>
-          <a:stretch>
-            <a:fillRect/>
-          </a:stretch>
-        </p:blipFill>
-        <p:spPr>
-          <a:xfrm>
-            <a:off x="7204894" y="1929539"/>
-            <a:ext cx="3212023" cy="2700068"/>
-          </a:xfrm>
-          <a:prstGeom prst="rect">
-            <a:avLst/>
-          </a:prstGeom>
-        </p:spPr>
-      </p:pic>
-    </p:spTree>
-    <p:extLst>
-      <p:ext uri="{BB962C8B-B14F-4D97-AF65-F5344CB8AC3E}">
-        <p14:creationId xmlns:p14="http://schemas.microsoft.com/office/powerpoint/2010/main" val="2947415303"/>
-      </p:ext>
-    </p:extLst>
-  </p:cSld>
-  <p:clrMapOvr>
-    <a:masterClrMapping/>
-  </p:clrMapOvr>
-</p:sld>
-</file>
-
-<file path=ppt/slides/slide7.xml><?xml version="1.0" encoding="utf-8"?>
-<p:sld xmlns:a="http://schemas.openxmlformats.org/drawingml/2006/main" xmlns:r="http://schemas.openxmlformats.org/officeDocument/2006/relationships" xmlns:p="http://schemas.openxmlformats.org/presentationml/2006/main">
-  <p:cSld>
-    <p:spTree>
-      <p:nvGrpSpPr>
-        <p:cNvPr id="1" name=""/>
-        <p:cNvGrpSpPr/>
-        <p:nvPr/>
-      </p:nvGrpSpPr>
-      <p:grpSpPr>
-        <a:xfrm>
-          <a:off x="0" y="0"/>
-          <a:ext cx="0" cy="0"/>
-          <a:chOff x="0" y="0"/>
-          <a:chExt cx="0" cy="0"/>
-        </a:xfrm>
-      </p:grpSpPr>
-    </p:spTree>
-    <p:extLst>
-      <p:ext uri="{BB962C8B-B14F-4D97-AF65-F5344CB8AC3E}">
-        <p14:creationId xmlns:p14="http://schemas.microsoft.com/office/powerpoint/2010/main" val="2505197169"/>
       </p:ext>
     </p:extLst>
   </p:cSld>

--- a/sycode/国庆后的修改图片/国庆之后的修改结构.pptx
+++ b/sycode/国庆后的修改图片/国庆之后的修改结构.pptx
@@ -262,7 +262,7 @@
           <a:p>
             <a:fld id="{AD9DA926-A515-480C-B9CE-FA598AD02AD9}" type="datetimeFigureOut">
               <a:rPr lang="zh-CN" altLang="en-US" smtClean="0"/>
-              <a:t>2023/10/18</a:t>
+              <a:t>2023/10/23</a:t>
             </a:fld>
             <a:endParaRPr lang="zh-CN" altLang="en-US"/>
           </a:p>
@@ -460,7 +460,7 @@
           <a:p>
             <a:fld id="{AD9DA926-A515-480C-B9CE-FA598AD02AD9}" type="datetimeFigureOut">
               <a:rPr lang="zh-CN" altLang="en-US" smtClean="0"/>
-              <a:t>2023/10/18</a:t>
+              <a:t>2023/10/23</a:t>
             </a:fld>
             <a:endParaRPr lang="zh-CN" altLang="en-US"/>
           </a:p>
@@ -668,7 +668,7 @@
           <a:p>
             <a:fld id="{AD9DA926-A515-480C-B9CE-FA598AD02AD9}" type="datetimeFigureOut">
               <a:rPr lang="zh-CN" altLang="en-US" smtClean="0"/>
-              <a:t>2023/10/18</a:t>
+              <a:t>2023/10/23</a:t>
             </a:fld>
             <a:endParaRPr lang="zh-CN" altLang="en-US"/>
           </a:p>
@@ -866,7 +866,7 @@
           <a:p>
             <a:fld id="{AD9DA926-A515-480C-B9CE-FA598AD02AD9}" type="datetimeFigureOut">
               <a:rPr lang="zh-CN" altLang="en-US" smtClean="0"/>
-              <a:t>2023/10/18</a:t>
+              <a:t>2023/10/23</a:t>
             </a:fld>
             <a:endParaRPr lang="zh-CN" altLang="en-US"/>
           </a:p>
@@ -1141,7 +1141,7 @@
           <a:p>
             <a:fld id="{AD9DA926-A515-480C-B9CE-FA598AD02AD9}" type="datetimeFigureOut">
               <a:rPr lang="zh-CN" altLang="en-US" smtClean="0"/>
-              <a:t>2023/10/18</a:t>
+              <a:t>2023/10/23</a:t>
             </a:fld>
             <a:endParaRPr lang="zh-CN" altLang="en-US"/>
           </a:p>
@@ -1406,7 +1406,7 @@
           <a:p>
             <a:fld id="{AD9DA926-A515-480C-B9CE-FA598AD02AD9}" type="datetimeFigureOut">
               <a:rPr lang="zh-CN" altLang="en-US" smtClean="0"/>
-              <a:t>2023/10/18</a:t>
+              <a:t>2023/10/23</a:t>
             </a:fld>
             <a:endParaRPr lang="zh-CN" altLang="en-US"/>
           </a:p>
@@ -1818,7 +1818,7 @@
           <a:p>
             <a:fld id="{AD9DA926-A515-480C-B9CE-FA598AD02AD9}" type="datetimeFigureOut">
               <a:rPr lang="zh-CN" altLang="en-US" smtClean="0"/>
-              <a:t>2023/10/18</a:t>
+              <a:t>2023/10/23</a:t>
             </a:fld>
             <a:endParaRPr lang="zh-CN" altLang="en-US"/>
           </a:p>
@@ -1959,7 +1959,7 @@
           <a:p>
             <a:fld id="{AD9DA926-A515-480C-B9CE-FA598AD02AD9}" type="datetimeFigureOut">
               <a:rPr lang="zh-CN" altLang="en-US" smtClean="0"/>
-              <a:t>2023/10/18</a:t>
+              <a:t>2023/10/23</a:t>
             </a:fld>
             <a:endParaRPr lang="zh-CN" altLang="en-US"/>
           </a:p>
@@ -2072,7 +2072,7 @@
           <a:p>
             <a:fld id="{AD9DA926-A515-480C-B9CE-FA598AD02AD9}" type="datetimeFigureOut">
               <a:rPr lang="zh-CN" altLang="en-US" smtClean="0"/>
-              <a:t>2023/10/18</a:t>
+              <a:t>2023/10/23</a:t>
             </a:fld>
             <a:endParaRPr lang="zh-CN" altLang="en-US"/>
           </a:p>
@@ -2383,7 +2383,7 @@
           <a:p>
             <a:fld id="{AD9DA926-A515-480C-B9CE-FA598AD02AD9}" type="datetimeFigureOut">
               <a:rPr lang="zh-CN" altLang="en-US" smtClean="0"/>
-              <a:t>2023/10/18</a:t>
+              <a:t>2023/10/23</a:t>
             </a:fld>
             <a:endParaRPr lang="zh-CN" altLang="en-US"/>
           </a:p>
@@ -2671,7 +2671,7 @@
           <a:p>
             <a:fld id="{AD9DA926-A515-480C-B9CE-FA598AD02AD9}" type="datetimeFigureOut">
               <a:rPr lang="zh-CN" altLang="en-US" smtClean="0"/>
-              <a:t>2023/10/18</a:t>
+              <a:t>2023/10/23</a:t>
             </a:fld>
             <a:endParaRPr lang="zh-CN" altLang="en-US"/>
           </a:p>
@@ -2912,7 +2912,7 @@
           <a:p>
             <a:fld id="{AD9DA926-A515-480C-B9CE-FA598AD02AD9}" type="datetimeFigureOut">
               <a:rPr lang="zh-CN" altLang="en-US" smtClean="0"/>
-              <a:t>2023/10/18</a:t>
+              <a:t>2023/10/23</a:t>
             </a:fld>
             <a:endParaRPr lang="zh-CN" altLang="en-US"/>
           </a:p>
@@ -3917,6 +3917,16 @@
               </a:rPr>
             </a:br>
             <a:r>
+              <a:rPr lang="en-US" altLang="zh-CN" dirty="0">
+                <a:solidFill>
+                  <a:srgbClr val="080808"/>
+                </a:solidFill>
+                <a:latin typeface="JetBrains Mono"/>
+                <a:ea typeface="宋体" panose="02010600030101010101" pitchFamily="2" charset="-122"/>
+              </a:rPr>
+              <a:t>pattern </a:t>
+            </a:r>
+            <a:r>
               <a:rPr lang="en-US" altLang="zh-CN" sz="1800" dirty="0">
                 <a:solidFill>
                   <a:srgbClr val="080808"/>
@@ -3924,7 +3934,7 @@
                 <a:effectLst/>
                 <a:latin typeface="JetBrains Mono"/>
               </a:rPr>
-              <a:t>times= [</a:t>
+              <a:t>= [</a:t>
             </a:r>
             <a:r>
               <a:rPr lang="en-US" altLang="zh-CN" sz="1800" dirty="0">
@@ -4293,6 +4303,16 @@
               </a:rPr>
             </a:br>
             <a:r>
+              <a:rPr lang="en-US" altLang="zh-CN" dirty="0">
+                <a:solidFill>
+                  <a:srgbClr val="080808"/>
+                </a:solidFill>
+                <a:latin typeface="JetBrains Mono"/>
+                <a:ea typeface="宋体" panose="02010600030101010101" pitchFamily="2" charset="-122"/>
+              </a:rPr>
+              <a:t>pattern </a:t>
+            </a:r>
+            <a:r>
               <a:rPr lang="en-US" altLang="zh-CN" sz="1800" dirty="0">
                 <a:solidFill>
                   <a:srgbClr val="080808"/>
@@ -4300,7 +4320,7 @@
                 <a:effectLst/>
                 <a:latin typeface="JetBrains Mono"/>
               </a:rPr>
-              <a:t>times=[</a:t>
+              <a:t>=[</a:t>
             </a:r>
             <a:r>
               <a:rPr lang="en-US" altLang="zh-CN" sz="1800" dirty="0">

--- a/sycode/国庆后的修改图片/国庆之后的修改结构.pptx
+++ b/sycode/国庆后的修改图片/国庆之后的修改结构.pptx
@@ -262,7 +262,7 @@
           <a:p>
             <a:fld id="{AD9DA926-A515-480C-B9CE-FA598AD02AD9}" type="datetimeFigureOut">
               <a:rPr lang="zh-CN" altLang="en-US" smtClean="0"/>
-              <a:t>2023/10/23</a:t>
+              <a:t>2023/11/8</a:t>
             </a:fld>
             <a:endParaRPr lang="zh-CN" altLang="en-US"/>
           </a:p>
@@ -460,7 +460,7 @@
           <a:p>
             <a:fld id="{AD9DA926-A515-480C-B9CE-FA598AD02AD9}" type="datetimeFigureOut">
               <a:rPr lang="zh-CN" altLang="en-US" smtClean="0"/>
-              <a:t>2023/10/23</a:t>
+              <a:t>2023/11/8</a:t>
             </a:fld>
             <a:endParaRPr lang="zh-CN" altLang="en-US"/>
           </a:p>
@@ -668,7 +668,7 @@
           <a:p>
             <a:fld id="{AD9DA926-A515-480C-B9CE-FA598AD02AD9}" type="datetimeFigureOut">
               <a:rPr lang="zh-CN" altLang="en-US" smtClean="0"/>
-              <a:t>2023/10/23</a:t>
+              <a:t>2023/11/8</a:t>
             </a:fld>
             <a:endParaRPr lang="zh-CN" altLang="en-US"/>
           </a:p>
@@ -866,7 +866,7 @@
           <a:p>
             <a:fld id="{AD9DA926-A515-480C-B9CE-FA598AD02AD9}" type="datetimeFigureOut">
               <a:rPr lang="zh-CN" altLang="en-US" smtClean="0"/>
-              <a:t>2023/10/23</a:t>
+              <a:t>2023/11/8</a:t>
             </a:fld>
             <a:endParaRPr lang="zh-CN" altLang="en-US"/>
           </a:p>
@@ -1141,7 +1141,7 @@
           <a:p>
             <a:fld id="{AD9DA926-A515-480C-B9CE-FA598AD02AD9}" type="datetimeFigureOut">
               <a:rPr lang="zh-CN" altLang="en-US" smtClean="0"/>
-              <a:t>2023/10/23</a:t>
+              <a:t>2023/11/8</a:t>
             </a:fld>
             <a:endParaRPr lang="zh-CN" altLang="en-US"/>
           </a:p>
@@ -1406,7 +1406,7 @@
           <a:p>
             <a:fld id="{AD9DA926-A515-480C-B9CE-FA598AD02AD9}" type="datetimeFigureOut">
               <a:rPr lang="zh-CN" altLang="en-US" smtClean="0"/>
-              <a:t>2023/10/23</a:t>
+              <a:t>2023/11/8</a:t>
             </a:fld>
             <a:endParaRPr lang="zh-CN" altLang="en-US"/>
           </a:p>
@@ -1818,7 +1818,7 @@
           <a:p>
             <a:fld id="{AD9DA926-A515-480C-B9CE-FA598AD02AD9}" type="datetimeFigureOut">
               <a:rPr lang="zh-CN" altLang="en-US" smtClean="0"/>
-              <a:t>2023/10/23</a:t>
+              <a:t>2023/11/8</a:t>
             </a:fld>
             <a:endParaRPr lang="zh-CN" altLang="en-US"/>
           </a:p>
@@ -1959,7 +1959,7 @@
           <a:p>
             <a:fld id="{AD9DA926-A515-480C-B9CE-FA598AD02AD9}" type="datetimeFigureOut">
               <a:rPr lang="zh-CN" altLang="en-US" smtClean="0"/>
-              <a:t>2023/10/23</a:t>
+              <a:t>2023/11/8</a:t>
             </a:fld>
             <a:endParaRPr lang="zh-CN" altLang="en-US"/>
           </a:p>
@@ -2072,7 +2072,7 @@
           <a:p>
             <a:fld id="{AD9DA926-A515-480C-B9CE-FA598AD02AD9}" type="datetimeFigureOut">
               <a:rPr lang="zh-CN" altLang="en-US" smtClean="0"/>
-              <a:t>2023/10/23</a:t>
+              <a:t>2023/11/8</a:t>
             </a:fld>
             <a:endParaRPr lang="zh-CN" altLang="en-US"/>
           </a:p>
@@ -2383,7 +2383,7 @@
           <a:p>
             <a:fld id="{AD9DA926-A515-480C-B9CE-FA598AD02AD9}" type="datetimeFigureOut">
               <a:rPr lang="zh-CN" altLang="en-US" smtClean="0"/>
-              <a:t>2023/10/23</a:t>
+              <a:t>2023/11/8</a:t>
             </a:fld>
             <a:endParaRPr lang="zh-CN" altLang="en-US"/>
           </a:p>
@@ -2671,7 +2671,7 @@
           <a:p>
             <a:fld id="{AD9DA926-A515-480C-B9CE-FA598AD02AD9}" type="datetimeFigureOut">
               <a:rPr lang="zh-CN" altLang="en-US" smtClean="0"/>
-              <a:t>2023/10/23</a:t>
+              <a:t>2023/11/8</a:t>
             </a:fld>
             <a:endParaRPr lang="zh-CN" altLang="en-US"/>
           </a:p>
@@ -2912,7 +2912,7 @@
           <a:p>
             <a:fld id="{AD9DA926-A515-480C-B9CE-FA598AD02AD9}" type="datetimeFigureOut">
               <a:rPr lang="zh-CN" altLang="en-US" smtClean="0"/>
-              <a:t>2023/10/23</a:t>
+              <a:t>2023/11/8</a:t>
             </a:fld>
             <a:endParaRPr lang="zh-CN" altLang="en-US"/>
           </a:p>
@@ -4493,6 +4493,41 @@
           </a:prstGeom>
         </p:spPr>
       </p:pic>
+      <p:sp>
+        <p:nvSpPr>
+          <p:cNvPr id="2" name="文本框 1">
+            <a:extLst>
+              <a:ext uri="{FF2B5EF4-FFF2-40B4-BE49-F238E27FC236}">
+                <a16:creationId xmlns:a16="http://schemas.microsoft.com/office/drawing/2014/main" id="{8B86E301-90A3-4AD3-93CC-BD04C236B016}"/>
+              </a:ext>
+            </a:extLst>
+          </p:cNvPr>
+          <p:cNvSpPr txBox="1"/>
+          <p:nvPr/>
+        </p:nvSpPr>
+        <p:spPr>
+          <a:xfrm>
+            <a:off x="1429305" y="5948039"/>
+            <a:ext cx="1569660" cy="369332"/>
+          </a:xfrm>
+          <a:prstGeom prst="rect">
+            <a:avLst/>
+          </a:prstGeom>
+          <a:noFill/>
+        </p:spPr>
+        <p:txBody>
+          <a:bodyPr wrap="none" rtlCol="0">
+            <a:spAutoFit/>
+          </a:bodyPr>
+          <a:lstStyle/>
+          <a:p>
+            <a:r>
+              <a:rPr lang="zh-CN" altLang="en-US" dirty="0"/>
+              <a:t>师兄的论文，</a:t>
+            </a:r>
+          </a:p>
+        </p:txBody>
+      </p:sp>
     </p:spTree>
     <p:extLst>
       <p:ext uri="{BB962C8B-B14F-4D97-AF65-F5344CB8AC3E}">
